--- a/Presentation/AppPresentation.pptx
+++ b/Presentation/AppPresentation.pptx
@@ -5,29 +5,32 @@
     <p:sldMasterId id="2147483660" r:id="rId2"/>
   </p:sldMasterIdLst>
   <p:notesMasterIdLst>
-    <p:notesMasterId r:id="rId15"/>
+    <p:notesMasterId r:id="rId18"/>
   </p:notesMasterIdLst>
   <p:handoutMasterIdLst>
-    <p:handoutMasterId r:id="rId16"/>
+    <p:handoutMasterId r:id="rId19"/>
   </p:handoutMasterIdLst>
   <p:sldIdLst>
     <p:sldId id="256" r:id="rId3"/>
     <p:sldId id="257" r:id="rId4"/>
     <p:sldId id="258" r:id="rId5"/>
-    <p:sldId id="259" r:id="rId6"/>
-    <p:sldId id="260" r:id="rId7"/>
-    <p:sldId id="261" r:id="rId8"/>
-    <p:sldId id="262" r:id="rId9"/>
-    <p:sldId id="266" r:id="rId10"/>
-    <p:sldId id="267" r:id="rId11"/>
-    <p:sldId id="263" r:id="rId12"/>
-    <p:sldId id="264" r:id="rId13"/>
-    <p:sldId id="265" r:id="rId14"/>
+    <p:sldId id="268" r:id="rId6"/>
+    <p:sldId id="269" r:id="rId7"/>
+    <p:sldId id="259" r:id="rId8"/>
+    <p:sldId id="270" r:id="rId9"/>
+    <p:sldId id="260" r:id="rId10"/>
+    <p:sldId id="261" r:id="rId11"/>
+    <p:sldId id="262" r:id="rId12"/>
+    <p:sldId id="266" r:id="rId13"/>
+    <p:sldId id="267" r:id="rId14"/>
+    <p:sldId id="263" r:id="rId15"/>
+    <p:sldId id="264" r:id="rId16"/>
+    <p:sldId id="265" r:id="rId17"/>
   </p:sldIdLst>
   <p:sldSz cx="12188825" cy="6858000"/>
   <p:notesSz cx="6858000" cy="9144000"/>
   <p:custDataLst>
-    <p:tags r:id="rId17"/>
+    <p:tags r:id="rId20"/>
   </p:custDataLst>
   <p:defaultTextStyle>
     <a:defPPr>
@@ -126,7 +129,7 @@
   </p:defaultTextStyle>
   <p:extLst>
     <p:ext uri="{EFAFB233-063F-42B5-8137-9DF3F51BA10A}">
-      <p15:sldGuideLst xmlns:p15="http://schemas.microsoft.com/office/powerpoint/2012/main">
+      <p15:sldGuideLst xmlns:p15="http://schemas.microsoft.com/office/powerpoint/2012/main" xmlns="">
         <p15:guide id="1" orient="horz" pos="2160">
           <p15:clr>
             <a:srgbClr val="A4A3A4"/>
@@ -140,7 +143,7 @@
       </p15:sldGuideLst>
     </p:ext>
     <p:ext uri="{2D200454-40CA-4A62-9FC3-DE9A4176ACB9}">
-      <p15:notesGuideLst xmlns:p15="http://schemas.microsoft.com/office/powerpoint/2012/main"/>
+      <p15:notesGuideLst xmlns:p15="http://schemas.microsoft.com/office/powerpoint/2012/main" xmlns=""/>
     </p:ext>
   </p:extLst>
 </p:presentation>
@@ -228,7 +231,7 @@
           <a:p>
             <a:fld id="{B1659ACC-BB8B-40BD-9C3D-7515A99833BA}" type="datetimeFigureOut">
               <a:rPr lang="en-US"/>
-              <a:t>1/18/2017</a:t>
+              <a:t>1/19/2017</a:t>
             </a:fld>
             <a:endParaRPr/>
           </a:p>
@@ -393,7 +396,7 @@
           <a:p>
             <a:fld id="{6CAB3F5D-6129-4745-AD27-E1F8E3F0C4BE}" type="datetimeFigureOut">
               <a:rPr lang="en-US"/>
-              <a:t>1/18/2017</a:t>
+              <a:t>1/19/2017</a:t>
             </a:fld>
             <a:endParaRPr/>
           </a:p>
@@ -25447,7 +25450,7 @@
           <a:p>
             <a:fld id="{5F4E5243-F52A-4D37-9694-EB26C6C31910}" type="datetime1">
               <a:rPr lang="en-US"/>
-              <a:t>1/18/2017</a:t>
+              <a:t>1/19/2017</a:t>
             </a:fld>
             <a:endParaRPr/>
           </a:p>
@@ -25650,7 +25653,7 @@
           <a:p>
             <a:fld id="{3A77B6E1-634A-48DC-9E8B-D894023267EF}" type="datetime1">
               <a:rPr lang="en-US"/>
-              <a:t>1/18/2017</a:t>
+              <a:t>1/19/2017</a:t>
             </a:fld>
             <a:endParaRPr/>
           </a:p>
@@ -25839,7 +25842,7 @@
           <a:p>
             <a:fld id="{24ABB9F7-FE8F-4CB7-B90F-B7A115B006F6}" type="datetimeFigureOut">
               <a:rPr lang="en-US"/>
-              <a:t>1/18/2017</a:t>
+              <a:t>1/19/2017</a:t>
             </a:fld>
             <a:endParaRPr/>
           </a:p>
@@ -26131,7 +26134,7 @@
           <a:p>
             <a:fld id="{C101A9C7-C274-4F50-89C9-83BDB06EDB81}" type="datetime1">
               <a:rPr lang="en-US"/>
-              <a:t>1/18/2017</a:t>
+              <a:t>1/19/2017</a:t>
             </a:fld>
             <a:endParaRPr/>
           </a:p>
@@ -26433,7 +26436,7 @@
           <a:p>
             <a:fld id="{F12952B5-7A2F-4CC8-B7CE-9234E21C2837}" type="datetime1">
               <a:rPr lang="en-US"/>
-              <a:t>1/18/2017</a:t>
+              <a:t>1/19/2017</a:t>
             </a:fld>
             <a:endParaRPr/>
           </a:p>
@@ -26857,7 +26860,7 @@
           <a:p>
             <a:fld id="{CE1DA07A-9201-4B4B-BAF2-015AFA30F520}" type="datetime1">
               <a:rPr lang="en-US"/>
-              <a:t>1/18/2017</a:t>
+              <a:t>1/19/2017</a:t>
             </a:fld>
             <a:endParaRPr/>
           </a:p>
@@ -27022,7 +27025,7 @@
           <a:p>
             <a:fld id="{C101A9C7-C274-4F50-89C9-83BDB06EDB81}" type="datetime1">
               <a:rPr lang="en-US"/>
-              <a:t>1/18/2017</a:t>
+              <a:t>1/19/2017</a:t>
             </a:fld>
             <a:endParaRPr/>
           </a:p>
@@ -27131,7 +27134,7 @@
           <a:p>
             <a:fld id="{5CB67DBB-F8DB-48F4-997A-49FAD7ECC765}" type="datetime1">
               <a:rPr lang="en-US"/>
-              <a:t>1/18/2017</a:t>
+              <a:t>1/19/2017</a:t>
             </a:fld>
             <a:endParaRPr/>
           </a:p>
@@ -27431,7 +27434,7 @@
           <a:p>
             <a:fld id="{BF13884F-698C-4153-AB67-9A0F214F106F}" type="datetimeFigureOut">
               <a:rPr lang="en-US"/>
-              <a:t>1/18/2017</a:t>
+              <a:t>1/19/2017</a:t>
             </a:fld>
             <a:endParaRPr/>
           </a:p>
@@ -27737,7 +27740,7 @@
           <a:p>
             <a:fld id="{C101A9C7-C274-4F50-89C9-83BDB06EDB81}" type="datetime1">
               <a:rPr lang="en-US"/>
-              <a:t>1/18/2017</a:t>
+              <a:t>1/19/2017</a:t>
             </a:fld>
             <a:endParaRPr/>
           </a:p>
@@ -28542,7 +28545,7 @@
             <a:fld id="{C101A9C7-C274-4F50-89C9-83BDB06EDB81}" type="datetime1">
               <a:rPr lang="en-US"/>
               <a:pPr/>
-              <a:t>1/18/2017</a:t>
+              <a:t>1/19/2017</a:t>
             </a:fld>
             <a:endParaRPr/>
           </a:p>
@@ -29081,7 +29084,7 @@
   </p:txStyles>
   <p:extLst>
     <p:ext uri="{27BBF7A9-308A-43DC-89C8-2F10F3537804}">
-      <p15:sldGuideLst xmlns:p15="http://schemas.microsoft.com/office/powerpoint/2012/main">
+      <p15:sldGuideLst xmlns:p15="http://schemas.microsoft.com/office/powerpoint/2012/main" xmlns="">
         <p15:guide id="1" pos="3839" userDrawn="1">
           <p15:clr>
             <a:srgbClr val="F26B43"/>
@@ -29338,6 +29341,1008 @@
         </p:nvSpPr>
         <p:spPr/>
         <p:txBody>
+          <a:bodyPr/>
+          <a:lstStyle/>
+          <a:p>
+            <a:r>
+              <a:rPr lang="en-CA" dirty="0" smtClean="0"/>
+              <a:t>2. Mathematical </a:t>
+            </a:r>
+            <a:r>
+              <a:rPr lang="en-CA" dirty="0"/>
+              <a:t>Models and Equations</a:t>
+            </a:r>
+          </a:p>
+        </p:txBody>
+      </p:sp>
+      <mc:AlternateContent xmlns:mc="http://schemas.openxmlformats.org/markup-compatibility/2006" xmlns:a14="http://schemas.microsoft.com/office/drawing/2010/main">
+        <mc:Choice Requires="a14">
+          <p:sp>
+            <p:nvSpPr>
+              <p:cNvPr id="3" name="Content Placeholder 2"/>
+              <p:cNvSpPr>
+                <a:spLocks noGrp="1"/>
+              </p:cNvSpPr>
+              <p:nvPr>
+                <p:ph idx="1"/>
+              </p:nvPr>
+            </p:nvSpPr>
+            <p:spPr/>
+            <p:txBody>
+              <a:bodyPr/>
+              <a:lstStyle/>
+              <a:p>
+                <a:pPr marL="0" indent="0">
+                  <a:buNone/>
+                </a:pPr>
+                <a14:m>
+                  <m:oMathPara xmlns:m="http://schemas.openxmlformats.org/officeDocument/2006/math">
+                    <m:oMathParaPr>
+                      <m:jc m:val="centerGroup"/>
+                    </m:oMathParaPr>
+                    <m:oMath xmlns:m="http://schemas.openxmlformats.org/officeDocument/2006/math">
+                      <m:f>
+                        <m:fPr>
+                          <m:ctrlPr>
+                            <a:rPr lang="en-CA" i="1">
+                              <a:effectLst/>
+                              <a:latin typeface="Cambria Math"/>
+                            </a:rPr>
+                          </m:ctrlPr>
+                        </m:fPr>
+                        <m:num>
+                          <m:sSub>
+                            <m:sSubPr>
+                              <m:ctrlPr>
+                                <a:rPr lang="en-CA" i="1">
+                                  <a:effectLst/>
+                                  <a:latin typeface="Cambria Math"/>
+                                </a:rPr>
+                              </m:ctrlPr>
+                            </m:sSubPr>
+                            <m:e>
+                              <m:r>
+                                <a:rPr lang="en-GB" i="1">
+                                  <a:effectLst/>
+                                  <a:latin typeface="Cambria Math"/>
+                                </a:rPr>
+                                <m:t>𝑑𝑥</m:t>
+                              </m:r>
+                            </m:e>
+                            <m:sub>
+                              <m:r>
+                                <a:rPr lang="en-GB" i="1">
+                                  <a:effectLst/>
+                                  <a:latin typeface="Cambria Math"/>
+                                </a:rPr>
+                                <m:t>𝑖</m:t>
+                              </m:r>
+                            </m:sub>
+                          </m:sSub>
+                        </m:num>
+                        <m:den>
+                          <m:r>
+                            <a:rPr lang="en-GB" i="1">
+                              <a:effectLst/>
+                              <a:latin typeface="Cambria Math"/>
+                            </a:rPr>
+                            <m:t>𝑑𝑡</m:t>
+                          </m:r>
+                        </m:den>
+                      </m:f>
+                      <m:r>
+                        <a:rPr lang="en-GB" i="1">
+                          <a:effectLst/>
+                          <a:latin typeface="Cambria Math"/>
+                        </a:rPr>
+                        <m:t>=</m:t>
+                      </m:r>
+                      <m:sSub>
+                        <m:sSubPr>
+                          <m:ctrlPr>
+                            <a:rPr lang="en-CA" i="1">
+                              <a:effectLst/>
+                              <a:latin typeface="Cambria Math"/>
+                            </a:rPr>
+                          </m:ctrlPr>
+                        </m:sSubPr>
+                        <m:e>
+                          <m:r>
+                            <a:rPr lang="en-GB" i="1">
+                              <a:effectLst/>
+                              <a:latin typeface="Cambria Math"/>
+                            </a:rPr>
+                            <m:t>𝑟</m:t>
+                          </m:r>
+                        </m:e>
+                        <m:sub>
+                          <m:r>
+                            <a:rPr lang="en-GB" i="1">
+                              <a:effectLst/>
+                              <a:latin typeface="Cambria Math"/>
+                            </a:rPr>
+                            <m:t>𝑖</m:t>
+                          </m:r>
+                        </m:sub>
+                      </m:sSub>
+                      <m:sSub>
+                        <m:sSubPr>
+                          <m:ctrlPr>
+                            <a:rPr lang="en-CA" i="1">
+                              <a:effectLst/>
+                              <a:latin typeface="Cambria Math"/>
+                            </a:rPr>
+                          </m:ctrlPr>
+                        </m:sSubPr>
+                        <m:e>
+                          <m:r>
+                            <a:rPr lang="en-GB" i="1">
+                              <a:effectLst/>
+                              <a:latin typeface="Cambria Math"/>
+                            </a:rPr>
+                            <m:t>𝑥</m:t>
+                          </m:r>
+                        </m:e>
+                        <m:sub>
+                          <m:r>
+                            <a:rPr lang="en-GB" i="1">
+                              <a:effectLst/>
+                              <a:latin typeface="Cambria Math"/>
+                            </a:rPr>
+                            <m:t>𝑖</m:t>
+                          </m:r>
+                        </m:sub>
+                      </m:sSub>
+                      <m:d>
+                        <m:dPr>
+                          <m:ctrlPr>
+                            <a:rPr lang="en-CA" i="1">
+                              <a:effectLst/>
+                              <a:latin typeface="Cambria Math"/>
+                            </a:rPr>
+                          </m:ctrlPr>
+                        </m:dPr>
+                        <m:e>
+                          <m:r>
+                            <a:rPr lang="en-GB" i="1">
+                              <a:effectLst/>
+                              <a:latin typeface="Cambria Math"/>
+                            </a:rPr>
+                            <m:t>1−</m:t>
+                          </m:r>
+                          <m:f>
+                            <m:fPr>
+                              <m:ctrlPr>
+                                <a:rPr lang="en-CA" i="1">
+                                  <a:effectLst/>
+                                  <a:latin typeface="Cambria Math"/>
+                                </a:rPr>
+                              </m:ctrlPr>
+                            </m:fPr>
+                            <m:num>
+                              <m:nary>
+                                <m:naryPr>
+                                  <m:chr m:val="∑"/>
+                                  <m:limLoc m:val="undOvr"/>
+                                  <m:ctrlPr>
+                                    <a:rPr lang="en-CA" i="1">
+                                      <a:effectLst/>
+                                      <a:latin typeface="Cambria Math"/>
+                                    </a:rPr>
+                                  </m:ctrlPr>
+                                </m:naryPr>
+                                <m:sub>
+                                  <m:r>
+                                    <a:rPr lang="en-GB" i="1">
+                                      <a:effectLst/>
+                                      <a:latin typeface="Cambria Math"/>
+                                    </a:rPr>
+                                    <m:t>𝑗</m:t>
+                                  </m:r>
+                                  <m:r>
+                                    <a:rPr lang="en-GB" i="1">
+                                      <a:effectLst/>
+                                      <a:latin typeface="Cambria Math"/>
+                                    </a:rPr>
+                                    <m:t>=1</m:t>
+                                  </m:r>
+                                </m:sub>
+                                <m:sup>
+                                  <m:r>
+                                    <a:rPr lang="en-GB" i="1">
+                                      <a:effectLst/>
+                                      <a:latin typeface="Cambria Math"/>
+                                    </a:rPr>
+                                    <m:t>𝑁</m:t>
+                                  </m:r>
+                                </m:sup>
+                                <m:e>
+                                  <m:sSub>
+                                    <m:sSubPr>
+                                      <m:ctrlPr>
+                                        <a:rPr lang="en-CA" i="1">
+                                          <a:effectLst/>
+                                          <a:latin typeface="Cambria Math"/>
+                                        </a:rPr>
+                                      </m:ctrlPr>
+                                    </m:sSubPr>
+                                    <m:e>
+                                      <m:r>
+                                        <a:rPr lang="en-GB" i="1">
+                                          <a:effectLst/>
+                                          <a:latin typeface="Cambria Math"/>
+                                        </a:rPr>
+                                        <m:t>𝑎</m:t>
+                                      </m:r>
+                                    </m:e>
+                                    <m:sub>
+                                      <m:r>
+                                        <a:rPr lang="en-GB" i="1">
+                                          <a:effectLst/>
+                                          <a:latin typeface="Cambria Math"/>
+                                        </a:rPr>
+                                        <m:t>𝑖𝑗</m:t>
+                                      </m:r>
+                                    </m:sub>
+                                  </m:sSub>
+                                  <m:sSub>
+                                    <m:sSubPr>
+                                      <m:ctrlPr>
+                                        <a:rPr lang="en-CA" i="1">
+                                          <a:effectLst/>
+                                          <a:latin typeface="Cambria Math"/>
+                                        </a:rPr>
+                                      </m:ctrlPr>
+                                    </m:sSubPr>
+                                    <m:e>
+                                      <m:r>
+                                        <a:rPr lang="en-GB" i="1">
+                                          <a:effectLst/>
+                                          <a:latin typeface="Cambria Math"/>
+                                        </a:rPr>
+                                        <m:t>𝑥</m:t>
+                                      </m:r>
+                                    </m:e>
+                                    <m:sub>
+                                      <m:r>
+                                        <a:rPr lang="en-GB" i="1">
+                                          <a:effectLst/>
+                                          <a:latin typeface="Cambria Math"/>
+                                        </a:rPr>
+                                        <m:t>𝑗</m:t>
+                                      </m:r>
+                                    </m:sub>
+                                  </m:sSub>
+                                </m:e>
+                              </m:nary>
+                            </m:num>
+                            <m:den>
+                              <m:sSub>
+                                <m:sSubPr>
+                                  <m:ctrlPr>
+                                    <a:rPr lang="en-CA" i="1">
+                                      <a:effectLst/>
+                                      <a:latin typeface="Cambria Math"/>
+                                    </a:rPr>
+                                  </m:ctrlPr>
+                                </m:sSubPr>
+                                <m:e>
+                                  <m:r>
+                                    <a:rPr lang="en-GB" i="1">
+                                      <a:effectLst/>
+                                      <a:latin typeface="Cambria Math"/>
+                                    </a:rPr>
+                                    <m:t>𝐺𝐾</m:t>
+                                  </m:r>
+                                </m:e>
+                                <m:sub>
+                                  <m:r>
+                                    <a:rPr lang="en-GB" i="1">
+                                      <a:effectLst/>
+                                      <a:latin typeface="Cambria Math"/>
+                                    </a:rPr>
+                                    <m:t>𝑖</m:t>
+                                  </m:r>
+                                </m:sub>
+                              </m:sSub>
+                            </m:den>
+                          </m:f>
+                        </m:e>
+                      </m:d>
+                      <m:r>
+                        <a:rPr lang="en-GB" i="1">
+                          <a:effectLst/>
+                          <a:latin typeface="Cambria Math"/>
+                        </a:rPr>
+                        <m:t> </m:t>
+                      </m:r>
+                      <m:r>
+                        <m:rPr>
+                          <m:nor/>
+                        </m:rPr>
+                        <a:rPr lang="en-GB">
+                          <a:effectLst/>
+                        </a:rPr>
+                        <m:t>Equation</m:t>
+                      </m:r>
+                      <m:r>
+                        <m:rPr>
+                          <m:nor/>
+                        </m:rPr>
+                        <a:rPr lang="en-GB">
+                          <a:effectLst/>
+                        </a:rPr>
+                        <m:t> 1.1</m:t>
+                      </m:r>
+                    </m:oMath>
+                  </m:oMathPara>
+                </a14:m>
+                <a:endParaRPr lang="en-CA" dirty="0">
+                  <a:effectLst/>
+                </a:endParaRPr>
+              </a:p>
+              <a:p>
+                <a:pPr marL="0" indent="0">
+                  <a:buNone/>
+                </a:pPr>
+                <a:r>
+                  <a:rPr lang="en-GB" i="1" dirty="0">
+                    <a:effectLst/>
+                  </a:rPr>
+                  <a:t>A Modified version</a:t>
+                </a:r>
+                <a:r>
+                  <a:rPr lang="en-GB" dirty="0">
+                    <a:effectLst/>
+                  </a:rPr>
+                  <a:t> of the equation of competitive </a:t>
+                </a:r>
+                <a:r>
+                  <a:rPr lang="en-GB" dirty="0" err="1">
+                    <a:effectLst/>
+                  </a:rPr>
+                  <a:t>Lotka-Volterra</a:t>
+                </a:r>
+                <a:r>
+                  <a:rPr lang="en-GB" dirty="0">
+                    <a:effectLst/>
+                  </a:rPr>
+                  <a:t> model, for N species.</a:t>
+                </a:r>
+                <a:endParaRPr lang="en-CA" dirty="0">
+                  <a:effectLst/>
+                </a:endParaRPr>
+              </a:p>
+              <a:p>
+                <a:pPr marL="0" indent="0">
+                  <a:buNone/>
+                </a:pPr>
+                <a14:m>
+                  <m:oMathPara xmlns:m="http://schemas.openxmlformats.org/officeDocument/2006/math">
+                    <m:oMathParaPr>
+                      <m:jc m:val="centerGroup"/>
+                    </m:oMathParaPr>
+                    <m:oMath xmlns:m="http://schemas.openxmlformats.org/officeDocument/2006/math">
+                      <m:f>
+                        <m:fPr>
+                          <m:ctrlPr>
+                            <a:rPr lang="en-CA" i="1">
+                              <a:effectLst/>
+                              <a:latin typeface="Cambria Math"/>
+                            </a:rPr>
+                          </m:ctrlPr>
+                        </m:fPr>
+                        <m:num>
+                          <m:sSub>
+                            <m:sSubPr>
+                              <m:ctrlPr>
+                                <a:rPr lang="en-CA" i="1">
+                                  <a:effectLst/>
+                                  <a:latin typeface="Cambria Math"/>
+                                </a:rPr>
+                              </m:ctrlPr>
+                            </m:sSubPr>
+                            <m:e>
+                              <m:r>
+                                <a:rPr lang="en-GB" i="1">
+                                  <a:effectLst/>
+                                  <a:latin typeface="Cambria Math"/>
+                                </a:rPr>
+                                <m:t>𝑑𝑥</m:t>
+                              </m:r>
+                            </m:e>
+                            <m:sub>
+                              <m:r>
+                                <a:rPr lang="en-GB" i="1">
+                                  <a:effectLst/>
+                                  <a:latin typeface="Cambria Math"/>
+                                </a:rPr>
+                                <m:t>𝑖</m:t>
+                              </m:r>
+                            </m:sub>
+                          </m:sSub>
+                        </m:num>
+                        <m:den>
+                          <m:r>
+                            <a:rPr lang="en-GB" i="1">
+                              <a:effectLst/>
+                              <a:latin typeface="Cambria Math"/>
+                            </a:rPr>
+                            <m:t>𝑑𝑡</m:t>
+                          </m:r>
+                        </m:den>
+                      </m:f>
+                      <m:r>
+                        <a:rPr lang="en-GB" i="1">
+                          <a:effectLst/>
+                          <a:latin typeface="Cambria Math"/>
+                        </a:rPr>
+                        <m:t>=</m:t>
+                      </m:r>
+                      <m:sSub>
+                        <m:sSubPr>
+                          <m:ctrlPr>
+                            <a:rPr lang="en-CA" i="1">
+                              <a:effectLst/>
+                              <a:latin typeface="Cambria Math"/>
+                            </a:rPr>
+                          </m:ctrlPr>
+                        </m:sSubPr>
+                        <m:e>
+                          <m:r>
+                            <a:rPr lang="en-GB" i="1">
+                              <a:effectLst/>
+                              <a:latin typeface="Cambria Math"/>
+                            </a:rPr>
+                            <m:t>𝑟</m:t>
+                          </m:r>
+                        </m:e>
+                        <m:sub>
+                          <m:r>
+                            <a:rPr lang="en-GB" i="1">
+                              <a:effectLst/>
+                              <a:latin typeface="Cambria Math"/>
+                            </a:rPr>
+                            <m:t>𝑖</m:t>
+                          </m:r>
+                        </m:sub>
+                      </m:sSub>
+                      <m:sSub>
+                        <m:sSubPr>
+                          <m:ctrlPr>
+                            <a:rPr lang="en-CA" i="1">
+                              <a:effectLst/>
+                              <a:latin typeface="Cambria Math"/>
+                            </a:rPr>
+                          </m:ctrlPr>
+                        </m:sSubPr>
+                        <m:e>
+                          <m:r>
+                            <a:rPr lang="en-GB" i="1">
+                              <a:effectLst/>
+                              <a:latin typeface="Cambria Math"/>
+                            </a:rPr>
+                            <m:t>𝑥</m:t>
+                          </m:r>
+                        </m:e>
+                        <m:sub>
+                          <m:r>
+                            <a:rPr lang="en-GB" i="1">
+                              <a:effectLst/>
+                              <a:latin typeface="Cambria Math"/>
+                            </a:rPr>
+                            <m:t>𝑖</m:t>
+                          </m:r>
+                        </m:sub>
+                      </m:sSub>
+                      <m:d>
+                        <m:dPr>
+                          <m:ctrlPr>
+                            <a:rPr lang="en-CA" i="1">
+                              <a:effectLst/>
+                              <a:latin typeface="Cambria Math"/>
+                            </a:rPr>
+                          </m:ctrlPr>
+                        </m:dPr>
+                        <m:e>
+                          <m:r>
+                            <a:rPr lang="en-GB" i="1">
+                              <a:effectLst/>
+                              <a:latin typeface="Cambria Math"/>
+                            </a:rPr>
+                            <m:t>1−</m:t>
+                          </m:r>
+                          <m:f>
+                            <m:fPr>
+                              <m:ctrlPr>
+                                <a:rPr lang="en-CA" i="1">
+                                  <a:effectLst/>
+                                  <a:latin typeface="Cambria Math"/>
+                                </a:rPr>
+                              </m:ctrlPr>
+                            </m:fPr>
+                            <m:num>
+                              <m:nary>
+                                <m:naryPr>
+                                  <m:chr m:val="∑"/>
+                                  <m:limLoc m:val="undOvr"/>
+                                  <m:ctrlPr>
+                                    <a:rPr lang="en-CA" i="1">
+                                      <a:effectLst/>
+                                      <a:latin typeface="Cambria Math"/>
+                                    </a:rPr>
+                                  </m:ctrlPr>
+                                </m:naryPr>
+                                <m:sub>
+                                  <m:r>
+                                    <a:rPr lang="en-GB" i="1">
+                                      <a:effectLst/>
+                                      <a:latin typeface="Cambria Math"/>
+                                    </a:rPr>
+                                    <m:t>𝑗</m:t>
+                                  </m:r>
+                                  <m:r>
+                                    <a:rPr lang="en-GB" i="1">
+                                      <a:effectLst/>
+                                      <a:latin typeface="Cambria Math"/>
+                                    </a:rPr>
+                                    <m:t>=1</m:t>
+                                  </m:r>
+                                </m:sub>
+                                <m:sup>
+                                  <m:r>
+                                    <a:rPr lang="en-GB" i="1">
+                                      <a:effectLst/>
+                                      <a:latin typeface="Cambria Math"/>
+                                    </a:rPr>
+                                    <m:t>𝑁</m:t>
+                                  </m:r>
+                                </m:sup>
+                                <m:e>
+                                  <m:sSub>
+                                    <m:sSubPr>
+                                      <m:ctrlPr>
+                                        <a:rPr lang="en-CA" i="1">
+                                          <a:effectLst/>
+                                          <a:latin typeface="Cambria Math"/>
+                                        </a:rPr>
+                                      </m:ctrlPr>
+                                    </m:sSubPr>
+                                    <m:e>
+                                      <m:r>
+                                        <a:rPr lang="en-GB" i="1">
+                                          <a:effectLst/>
+                                          <a:latin typeface="Cambria Math"/>
+                                        </a:rPr>
+                                        <m:t>𝑎</m:t>
+                                      </m:r>
+                                    </m:e>
+                                    <m:sub>
+                                      <m:r>
+                                        <a:rPr lang="en-GB" i="1">
+                                          <a:effectLst/>
+                                          <a:latin typeface="Cambria Math"/>
+                                        </a:rPr>
+                                        <m:t>𝑖𝑗</m:t>
+                                      </m:r>
+                                    </m:sub>
+                                  </m:sSub>
+                                  <m:sSub>
+                                    <m:sSubPr>
+                                      <m:ctrlPr>
+                                        <a:rPr lang="en-CA" i="1">
+                                          <a:effectLst/>
+                                          <a:latin typeface="Cambria Math"/>
+                                        </a:rPr>
+                                      </m:ctrlPr>
+                                    </m:sSubPr>
+                                    <m:e>
+                                      <m:r>
+                                        <a:rPr lang="en-GB" i="1">
+                                          <a:effectLst/>
+                                          <a:latin typeface="Cambria Math"/>
+                                        </a:rPr>
+                                        <m:t>𝑥</m:t>
+                                      </m:r>
+                                    </m:e>
+                                    <m:sub>
+                                      <m:r>
+                                        <a:rPr lang="en-GB" i="1">
+                                          <a:effectLst/>
+                                          <a:latin typeface="Cambria Math"/>
+                                        </a:rPr>
+                                        <m:t>𝑗</m:t>
+                                      </m:r>
+                                    </m:sub>
+                                  </m:sSub>
+                                </m:e>
+                              </m:nary>
+                            </m:num>
+                            <m:den>
+                              <m:sSub>
+                                <m:sSubPr>
+                                  <m:ctrlPr>
+                                    <a:rPr lang="en-CA" i="1">
+                                      <a:effectLst/>
+                                      <a:latin typeface="Cambria Math"/>
+                                    </a:rPr>
+                                  </m:ctrlPr>
+                                </m:sSubPr>
+                                <m:e>
+                                  <m:r>
+                                    <a:rPr lang="en-GB" i="1">
+                                      <a:effectLst/>
+                                      <a:latin typeface="Cambria Math"/>
+                                    </a:rPr>
+                                    <m:t>𝐾</m:t>
+                                  </m:r>
+                                </m:e>
+                                <m:sub>
+                                  <m:r>
+                                    <a:rPr lang="en-GB" i="1">
+                                      <a:effectLst/>
+                                      <a:latin typeface="Cambria Math"/>
+                                    </a:rPr>
+                                    <m:t>𝑖</m:t>
+                                  </m:r>
+                                </m:sub>
+                              </m:sSub>
+                            </m:den>
+                          </m:f>
+                        </m:e>
+                      </m:d>
+                      <m:r>
+                        <a:rPr lang="en-GB" i="1">
+                          <a:effectLst/>
+                          <a:latin typeface="Cambria Math"/>
+                        </a:rPr>
+                        <m:t> </m:t>
+                      </m:r>
+                      <m:r>
+                        <m:rPr>
+                          <m:nor/>
+                        </m:rPr>
+                        <a:rPr lang="en-GB">
+                          <a:effectLst/>
+                        </a:rPr>
+                        <m:t>Equation</m:t>
+                      </m:r>
+                      <m:r>
+                        <m:rPr>
+                          <m:nor/>
+                        </m:rPr>
+                        <a:rPr lang="en-GB">
+                          <a:effectLst/>
+                        </a:rPr>
+                        <m:t> 1.2</m:t>
+                      </m:r>
+                    </m:oMath>
+                  </m:oMathPara>
+                </a14:m>
+                <a:endParaRPr lang="en-CA" dirty="0">
+                  <a:effectLst/>
+                </a:endParaRPr>
+              </a:p>
+              <a:p>
+                <a:pPr marL="0" indent="0">
+                  <a:buNone/>
+                </a:pPr>
+                <a:r>
+                  <a:rPr lang="en-GB" dirty="0">
+                    <a:effectLst/>
+                  </a:rPr>
+                  <a:t>	Competitive </a:t>
+                </a:r>
+                <a:r>
+                  <a:rPr lang="en-GB" dirty="0" err="1">
+                    <a:effectLst/>
+                  </a:rPr>
+                  <a:t>Lotka-Volterra</a:t>
+                </a:r>
+                <a:r>
+                  <a:rPr lang="en-GB" dirty="0">
+                    <a:effectLst/>
+                  </a:rPr>
+                  <a:t> model, for N species.</a:t>
+                </a:r>
+                <a:endParaRPr lang="en-CA" dirty="0">
+                  <a:effectLst/>
+                </a:endParaRPr>
+              </a:p>
+              <a:p>
+                <a:pPr marL="0" indent="0">
+                  <a:buNone/>
+                </a:pPr>
+                <a:endParaRPr lang="en-CA" dirty="0"/>
+              </a:p>
+            </p:txBody>
+          </p:sp>
+        </mc:Choice>
+        <mc:Fallback xmlns="">
+          <p:sp>
+            <p:nvSpPr>
+              <p:cNvPr id="3" name="Content Placeholder 2"/>
+              <p:cNvSpPr>
+                <a:spLocks noGrp="1" noRot="1" noChangeAspect="1" noMove="1" noResize="1" noEditPoints="1" noAdjustHandles="1" noChangeArrowheads="1" noChangeShapeType="1" noTextEdit="1"/>
+              </p:cNvSpPr>
+              <p:nvPr>
+                <p:ph idx="1"/>
+              </p:nvPr>
+            </p:nvSpPr>
+            <p:spPr>
+              <a:blipFill rotWithShape="0">
+                <a:blip r:embed="rId2"/>
+                <a:stretch>
+                  <a:fillRect l="-1067"/>
+                </a:stretch>
+              </a:blipFill>
+            </p:spPr>
+            <p:txBody>
+              <a:bodyPr/>
+              <a:lstStyle/>
+              <a:p>
+                <a:r>
+                  <a:rPr lang="en-CA">
+                    <a:noFill/>
+                  </a:rPr>
+                  <a:t> </a:t>
+                </a:r>
+              </a:p>
+            </p:txBody>
+          </p:sp>
+        </mc:Fallback>
+      </mc:AlternateContent>
+    </p:spTree>
+    <p:extLst>
+      <p:ext uri="{BB962C8B-B14F-4D97-AF65-F5344CB8AC3E}">
+        <p14:creationId xmlns:p14="http://schemas.microsoft.com/office/powerpoint/2010/main" val="2012489980"/>
+      </p:ext>
+    </p:extLst>
+  </p:cSld>
+  <p:clrMapOvr>
+    <a:masterClrMapping/>
+  </p:clrMapOvr>
+  <mc:AlternateContent xmlns:mc="http://schemas.openxmlformats.org/markup-compatibility/2006" xmlns:p14="http://schemas.microsoft.com/office/powerpoint/2010/main">
+    <mc:Choice Requires="p14">
+      <p:transition spd="med" p14:dur="700">
+        <p:fade/>
+      </p:transition>
+    </mc:Choice>
+    <mc:Fallback xmlns="">
+      <p:transition spd="med">
+        <p:fade/>
+      </p:transition>
+    </mc:Fallback>
+  </mc:AlternateContent>
+  <p:timing>
+    <p:tnLst>
+      <p:par>
+        <p:cTn id="1" dur="indefinite" restart="never" nodeType="tmRoot"/>
+      </p:par>
+    </p:tnLst>
+  </p:timing>
+</p:sld>
+</file>
+
+<file path=ppt/slides/slide11.xml><?xml version="1.0" encoding="utf-8"?>
+<p:sld xmlns:a="http://schemas.openxmlformats.org/drawingml/2006/main" xmlns:r="http://schemas.openxmlformats.org/officeDocument/2006/relationships" xmlns:p="http://schemas.openxmlformats.org/presentationml/2006/main">
+  <p:cSld>
+    <p:spTree>
+      <p:nvGrpSpPr>
+        <p:cNvPr id="1" name=""/>
+        <p:cNvGrpSpPr/>
+        <p:nvPr/>
+      </p:nvGrpSpPr>
+      <p:grpSpPr>
+        <a:xfrm>
+          <a:off x="0" y="0"/>
+          <a:ext cx="0" cy="0"/>
+          <a:chOff x="0" y="0"/>
+          <a:chExt cx="0" cy="0"/>
+        </a:xfrm>
+      </p:grpSpPr>
+      <p:sp>
+        <p:nvSpPr>
+          <p:cNvPr id="2" name="Title 1"/>
+          <p:cNvSpPr>
+            <a:spLocks noGrp="1"/>
+          </p:cNvSpPr>
+          <p:nvPr>
+            <p:ph type="title"/>
+          </p:nvPr>
+        </p:nvSpPr>
+        <p:spPr/>
+        <p:txBody>
+          <a:bodyPr/>
+          <a:lstStyle/>
+          <a:p>
+            <a:r>
+              <a:rPr lang="en-CA" dirty="0" smtClean="0"/>
+              <a:t>3. Software </a:t>
+            </a:r>
+            <a:r>
+              <a:rPr lang="en-CA" dirty="0" smtClean="0"/>
+              <a:t>Development</a:t>
+            </a:r>
+            <a:endParaRPr lang="en-CA" dirty="0"/>
+          </a:p>
+        </p:txBody>
+      </p:sp>
+      <p:sp>
+        <p:nvSpPr>
+          <p:cNvPr id="3" name="Content Placeholder 2"/>
+          <p:cNvSpPr>
+            <a:spLocks noGrp="1"/>
+          </p:cNvSpPr>
+          <p:nvPr>
+            <p:ph idx="1"/>
+          </p:nvPr>
+        </p:nvSpPr>
+        <p:spPr/>
+        <p:txBody>
+          <a:bodyPr/>
+          <a:lstStyle/>
+          <a:p>
+            <a:endParaRPr lang="en-CA"/>
+          </a:p>
+        </p:txBody>
+      </p:sp>
+    </p:spTree>
+    <p:extLst>
+      <p:ext uri="{BB962C8B-B14F-4D97-AF65-F5344CB8AC3E}">
+        <p14:creationId xmlns:p14="http://schemas.microsoft.com/office/powerpoint/2010/main" val="939161795"/>
+      </p:ext>
+    </p:extLst>
+  </p:cSld>
+  <p:clrMapOvr>
+    <a:masterClrMapping/>
+  </p:clrMapOvr>
+  <mc:AlternateContent xmlns:mc="http://schemas.openxmlformats.org/markup-compatibility/2006" xmlns:p14="http://schemas.microsoft.com/office/powerpoint/2010/main">
+    <mc:Choice Requires="p14">
+      <p:transition spd="med" p14:dur="700">
+        <p:fade/>
+      </p:transition>
+    </mc:Choice>
+    <mc:Fallback xmlns="">
+      <p:transition spd="med">
+        <p:fade/>
+      </p:transition>
+    </mc:Fallback>
+  </mc:AlternateContent>
+  <p:timing>
+    <p:tnLst>
+      <p:par>
+        <p:cTn id="1" dur="indefinite" restart="never" nodeType="tmRoot"/>
+      </p:par>
+    </p:tnLst>
+  </p:timing>
+</p:sld>
+</file>
+
+<file path=ppt/slides/slide12.xml><?xml version="1.0" encoding="utf-8"?>
+<p:sld xmlns:a="http://schemas.openxmlformats.org/drawingml/2006/main" xmlns:r="http://schemas.openxmlformats.org/officeDocument/2006/relationships" xmlns:p="http://schemas.openxmlformats.org/presentationml/2006/main">
+  <p:cSld>
+    <p:spTree>
+      <p:nvGrpSpPr>
+        <p:cNvPr id="1" name=""/>
+        <p:cNvGrpSpPr/>
+        <p:nvPr/>
+      </p:nvGrpSpPr>
+      <p:grpSpPr>
+        <a:xfrm>
+          <a:off x="0" y="0"/>
+          <a:ext cx="0" cy="0"/>
+          <a:chOff x="0" y="0"/>
+          <a:chExt cx="0" cy="0"/>
+        </a:xfrm>
+      </p:grpSpPr>
+      <p:sp>
+        <p:nvSpPr>
+          <p:cNvPr id="2" name="Title 1"/>
+          <p:cNvSpPr>
+            <a:spLocks noGrp="1"/>
+          </p:cNvSpPr>
+          <p:nvPr>
+            <p:ph type="title"/>
+          </p:nvPr>
+        </p:nvSpPr>
+        <p:spPr/>
+        <p:txBody>
+          <a:bodyPr/>
+          <a:lstStyle/>
+          <a:p>
+            <a:r>
+              <a:rPr lang="en-CA" dirty="0" smtClean="0"/>
+              <a:t>4. Connection </a:t>
+            </a:r>
+            <a:r>
+              <a:rPr lang="en-CA" dirty="0" smtClean="0"/>
+              <a:t>between Applications</a:t>
+            </a:r>
+            <a:endParaRPr lang="en-CA" dirty="0"/>
+          </a:p>
+        </p:txBody>
+      </p:sp>
+      <p:sp>
+        <p:nvSpPr>
+          <p:cNvPr id="3" name="Content Placeholder 2"/>
+          <p:cNvSpPr>
+            <a:spLocks noGrp="1"/>
+          </p:cNvSpPr>
+          <p:nvPr>
+            <p:ph idx="1"/>
+          </p:nvPr>
+        </p:nvSpPr>
+        <p:spPr/>
+        <p:txBody>
+          <a:bodyPr/>
+          <a:lstStyle/>
+          <a:p>
+            <a:endParaRPr lang="en-CA"/>
+          </a:p>
+        </p:txBody>
+      </p:sp>
+    </p:spTree>
+    <p:extLst>
+      <p:ext uri="{BB962C8B-B14F-4D97-AF65-F5344CB8AC3E}">
+        <p14:creationId xmlns:p14="http://schemas.microsoft.com/office/powerpoint/2010/main" val="3476752290"/>
+      </p:ext>
+    </p:extLst>
+  </p:cSld>
+  <p:clrMapOvr>
+    <a:masterClrMapping/>
+  </p:clrMapOvr>
+  <mc:AlternateContent xmlns:mc="http://schemas.openxmlformats.org/markup-compatibility/2006" xmlns:p14="http://schemas.microsoft.com/office/powerpoint/2010/main">
+    <mc:Choice Requires="p14">
+      <p:transition spd="med" p14:dur="700">
+        <p:fade/>
+      </p:transition>
+    </mc:Choice>
+    <mc:Fallback xmlns="">
+      <p:transition spd="med">
+        <p:fade/>
+      </p:transition>
+    </mc:Fallback>
+  </mc:AlternateContent>
+  <p:timing>
+    <p:tnLst>
+      <p:par>
+        <p:cTn id="1" dur="indefinite" restart="never" nodeType="tmRoot"/>
+      </p:par>
+    </p:tnLst>
+  </p:timing>
+</p:sld>
+</file>
+
+<file path=ppt/slides/slide13.xml><?xml version="1.0" encoding="utf-8"?>
+<p:sld xmlns:a="http://schemas.openxmlformats.org/drawingml/2006/main" xmlns:r="http://schemas.openxmlformats.org/officeDocument/2006/relationships" xmlns:p="http://schemas.openxmlformats.org/presentationml/2006/main">
+  <p:cSld>
+    <p:spTree>
+      <p:nvGrpSpPr>
+        <p:cNvPr id="1" name=""/>
+        <p:cNvGrpSpPr/>
+        <p:nvPr/>
+      </p:nvGrpSpPr>
+      <p:grpSpPr>
+        <a:xfrm>
+          <a:off x="0" y="0"/>
+          <a:ext cx="0" cy="0"/>
+          <a:chOff x="0" y="0"/>
+          <a:chExt cx="0" cy="0"/>
+        </a:xfrm>
+      </p:grpSpPr>
+      <p:sp>
+        <p:nvSpPr>
+          <p:cNvPr id="2" name="Title 1"/>
+          <p:cNvSpPr>
+            <a:spLocks noGrp="1"/>
+          </p:cNvSpPr>
+          <p:nvPr>
+            <p:ph type="title"/>
+          </p:nvPr>
+        </p:nvSpPr>
+        <p:spPr/>
+        <p:txBody>
           <a:bodyPr>
             <a:normAutofit/>
           </a:bodyPr>
@@ -29420,7 +30425,7 @@
 </p:sld>
 </file>
 
-<file path=ppt/slides/slide11.xml><?xml version="1.0" encoding="utf-8"?>
+<file path=ppt/slides/slide14.xml><?xml version="1.0" encoding="utf-8"?>
 <p:sld xmlns:a="http://schemas.openxmlformats.org/drawingml/2006/main" xmlns:r="http://schemas.openxmlformats.org/officeDocument/2006/relationships" xmlns:p="http://schemas.openxmlformats.org/presentationml/2006/main">
   <p:cSld>
     <p:spTree>
@@ -29517,7 +30522,7 @@
 </p:sld>
 </file>
 
-<file path=ppt/slides/slide12.xml><?xml version="1.0" encoding="utf-8"?>
+<file path=ppt/slides/slide15.xml><?xml version="1.0" encoding="utf-8"?>
 <p:sld xmlns:a="http://schemas.openxmlformats.org/drawingml/2006/main" xmlns:r="http://schemas.openxmlformats.org/officeDocument/2006/relationships" xmlns:p="http://schemas.openxmlformats.org/presentationml/2006/main">
   <p:cSld>
     <p:spTree>
@@ -29650,9 +30655,6 @@
               </a:rPr>
               <a:t>Table of Contents</a:t>
             </a:r>
-            <a:endParaRPr lang="en-US" dirty="0">
-              <a:latin typeface="Constantia" pitchFamily="18" charset="0"/>
-            </a:endParaRPr>
           </a:p>
         </p:txBody>
       </p:sp>
@@ -29669,7 +30671,7 @@
         <p:spPr/>
         <p:txBody>
           <a:bodyPr>
-            <a:normAutofit fontScale="92500" lnSpcReduction="20000"/>
+            <a:normAutofit fontScale="70000" lnSpcReduction="20000"/>
           </a:bodyPr>
           <a:lstStyle/>
           <a:p>
@@ -29678,6 +30680,30 @@
                 <a:latin typeface="Constantia" pitchFamily="18" charset="0"/>
               </a:rPr>
               <a:t>Introduction</a:t>
+            </a:r>
+          </a:p>
+          <a:p>
+            <a:pPr lvl="1"/>
+            <a:r>
+              <a:rPr lang="en-US" dirty="0" smtClean="0">
+                <a:latin typeface="Constantia" pitchFamily="18" charset="0"/>
+              </a:rPr>
+              <a:t>Problem</a:t>
+            </a:r>
+          </a:p>
+          <a:p>
+            <a:pPr lvl="1"/>
+            <a:r>
+              <a:rPr lang="en-US" dirty="0" smtClean="0">
+                <a:latin typeface="Constantia" pitchFamily="18" charset="0"/>
+              </a:rPr>
+              <a:t>Purpose </a:t>
+            </a:r>
+            <a:r>
+              <a:rPr lang="en-US" dirty="0">
+                <a:latin typeface="Constantia" pitchFamily="18" charset="0"/>
+              </a:rPr>
+              <a:t>of the project</a:t>
             </a:r>
             <a:endParaRPr lang="en-US" dirty="0" smtClean="0">
               <a:latin typeface="Constantia" pitchFamily="18" charset="0"/>
@@ -29752,9 +30778,6 @@
               </a:rPr>
               <a:t>Assumptions and Limitations</a:t>
             </a:r>
-            <a:endParaRPr lang="en-US" dirty="0" smtClean="0">
-              <a:latin typeface="Constantia" pitchFamily="18" charset="0"/>
-            </a:endParaRPr>
           </a:p>
           <a:p>
             <a:r>
@@ -29771,9 +30794,6 @@
               </a:rPr>
               <a:t>Q&amp;A Session</a:t>
             </a:r>
-            <a:endParaRPr lang="en-US" dirty="0" smtClean="0">
-              <a:latin typeface="Constantia" pitchFamily="18" charset="0"/>
-            </a:endParaRPr>
           </a:p>
         </p:txBody>
       </p:sp>
@@ -29861,15 +30881,253 @@
             <p:ph idx="1"/>
           </p:nvPr>
         </p:nvSpPr>
-        <p:spPr/>
+        <p:spPr>
+          <a:xfrm>
+            <a:off x="1522412" y="1828800"/>
+            <a:ext cx="9144000" cy="1456184"/>
+          </a:xfrm>
+        </p:spPr>
         <p:txBody>
           <a:bodyPr/>
           <a:lstStyle/>
           <a:p>
-            <a:endParaRPr lang="en-CA"/>
+            <a:pPr marL="0" indent="0">
+              <a:buNone/>
+            </a:pPr>
+            <a:r>
+              <a:rPr lang="en-CA" dirty="0">
+                <a:effectLst/>
+              </a:rPr>
+              <a:t>The ecological preserve of </a:t>
+            </a:r>
+            <a:r>
+              <a:rPr lang="en-CA" dirty="0" err="1">
+                <a:effectLst/>
+              </a:rPr>
+              <a:t>Oostvaardersplassen</a:t>
+            </a:r>
+            <a:r>
+              <a:rPr lang="en-CA" dirty="0">
+                <a:effectLst/>
+              </a:rPr>
+              <a:t> has three large herbivores living there. They are: wild horses, wild cattle, and deer; and other foremost species such as geese and birds of prey</a:t>
+            </a:r>
+            <a:r>
+              <a:rPr lang="en-CA" dirty="0" smtClean="0">
+                <a:effectLst/>
+              </a:rPr>
+              <a:t>.</a:t>
+            </a:r>
+            <a:endParaRPr lang="nl-NL" dirty="0">
+              <a:effectLst/>
+            </a:endParaRPr>
           </a:p>
         </p:txBody>
       </p:sp>
+      <p:pic>
+        <p:nvPicPr>
+          <p:cNvPr id="1032" name="Picture 8"/>
+          <p:cNvPicPr>
+            <a:picLocks noChangeAspect="1" noChangeArrowheads="1"/>
+          </p:cNvPicPr>
+          <p:nvPr/>
+        </p:nvPicPr>
+        <p:blipFill>
+          <a:blip r:embed="rId2">
+            <a:extLst>
+              <a:ext uri="{28A0092B-C50C-407E-A947-70E740481C1C}">
+                <a14:useLocalDpi xmlns:a14="http://schemas.microsoft.com/office/drawing/2010/main" val="0"/>
+              </a:ext>
+            </a:extLst>
+          </a:blip>
+          <a:srcRect/>
+          <a:stretch>
+            <a:fillRect/>
+          </a:stretch>
+        </p:blipFill>
+        <p:spPr bwMode="auto">
+          <a:xfrm>
+            <a:off x="8639422" y="4869160"/>
+            <a:ext cx="3552158" cy="1995235"/>
+          </a:xfrm>
+          <a:prstGeom prst="rect">
+            <a:avLst/>
+          </a:prstGeom>
+          <a:ln>
+            <a:noFill/>
+          </a:ln>
+          <a:effectLst>
+            <a:softEdge rad="112500"/>
+          </a:effectLst>
+          <a:extLst>
+            <a:ext uri="{909E8E84-426E-40DD-AFC4-6F175D3DCCD1}">
+              <a14:hiddenFill xmlns:a14="http://schemas.microsoft.com/office/drawing/2010/main">
+                <a:solidFill>
+                  <a:schemeClr val="accent1"/>
+                </a:solidFill>
+              </a14:hiddenFill>
+            </a:ext>
+            <a:ext uri="{91240B29-F687-4F45-9708-019B960494DF}">
+              <a14:hiddenLine xmlns:a14="http://schemas.microsoft.com/office/drawing/2010/main" w="9525">
+                <a:solidFill>
+                  <a:schemeClr val="tx1"/>
+                </a:solidFill>
+                <a:miter lim="800000"/>
+                <a:headEnd/>
+                <a:tailEnd/>
+              </a14:hiddenLine>
+            </a:ext>
+          </a:extLst>
+        </p:spPr>
+      </p:pic>
+      <p:pic>
+        <p:nvPicPr>
+          <p:cNvPr id="1028" name="Picture 4" descr="http://www.wandelenopdeveluwe.nl/files/2013/11/oostvaardersplassen-999x362.jpg"/>
+          <p:cNvPicPr>
+            <a:picLocks noChangeAspect="1" noChangeArrowheads="1"/>
+          </p:cNvPicPr>
+          <p:nvPr/>
+        </p:nvPicPr>
+        <p:blipFill>
+          <a:blip r:embed="rId3">
+            <a:extLst>
+              <a:ext uri="{28A0092B-C50C-407E-A947-70E740481C1C}">
+                <a14:useLocalDpi xmlns:a14="http://schemas.microsoft.com/office/drawing/2010/main" val="0"/>
+              </a:ext>
+            </a:extLst>
+          </a:blip>
+          <a:srcRect/>
+          <a:stretch>
+            <a:fillRect/>
+          </a:stretch>
+        </p:blipFill>
+        <p:spPr bwMode="auto">
+          <a:xfrm>
+            <a:off x="1773932" y="4410169"/>
+            <a:ext cx="6772849" cy="2454226"/>
+          </a:xfrm>
+          <a:prstGeom prst="rect">
+            <a:avLst/>
+          </a:prstGeom>
+          <a:ln>
+            <a:noFill/>
+          </a:ln>
+          <a:effectLst>
+            <a:softEdge rad="112500"/>
+          </a:effectLst>
+          <a:extLst>
+            <a:ext uri="{909E8E84-426E-40DD-AFC4-6F175D3DCCD1}">
+              <a14:hiddenFill xmlns:a14="http://schemas.microsoft.com/office/drawing/2010/main">
+                <a:solidFill>
+                  <a:srgbClr val="FFFFFF"/>
+                </a:solidFill>
+              </a14:hiddenFill>
+            </a:ext>
+          </a:extLst>
+        </p:spPr>
+      </p:pic>
+      <p:pic>
+        <p:nvPicPr>
+          <p:cNvPr id="1026" name="Picture 2"/>
+          <p:cNvPicPr>
+            <a:picLocks noChangeAspect="1" noChangeArrowheads="1"/>
+          </p:cNvPicPr>
+          <p:nvPr/>
+        </p:nvPicPr>
+        <p:blipFill>
+          <a:blip r:embed="rId4">
+            <a:extLst>
+              <a:ext uri="{28A0092B-C50C-407E-A947-70E740481C1C}">
+                <a14:useLocalDpi xmlns:a14="http://schemas.microsoft.com/office/drawing/2010/main" val="0"/>
+              </a:ext>
+            </a:extLst>
+          </a:blip>
+          <a:srcRect/>
+          <a:stretch>
+            <a:fillRect/>
+          </a:stretch>
+        </p:blipFill>
+        <p:spPr bwMode="auto">
+          <a:xfrm>
+            <a:off x="5806380" y="2932570"/>
+            <a:ext cx="4670550" cy="2448272"/>
+          </a:xfrm>
+          <a:prstGeom prst="rect">
+            <a:avLst/>
+          </a:prstGeom>
+          <a:ln>
+            <a:noFill/>
+          </a:ln>
+          <a:effectLst>
+            <a:softEdge rad="112500"/>
+          </a:effectLst>
+          <a:extLst>
+            <a:ext uri="{909E8E84-426E-40DD-AFC4-6F175D3DCCD1}">
+              <a14:hiddenFill xmlns:a14="http://schemas.microsoft.com/office/drawing/2010/main">
+                <a:solidFill>
+                  <a:schemeClr val="accent1"/>
+                </a:solidFill>
+              </a14:hiddenFill>
+            </a:ext>
+            <a:ext uri="{91240B29-F687-4F45-9708-019B960494DF}">
+              <a14:hiddenLine xmlns:a14="http://schemas.microsoft.com/office/drawing/2010/main" w="9525">
+                <a:solidFill>
+                  <a:schemeClr val="tx1"/>
+                </a:solidFill>
+                <a:miter lim="800000"/>
+                <a:headEnd/>
+                <a:tailEnd/>
+              </a14:hiddenLine>
+            </a:ext>
+          </a:extLst>
+        </p:spPr>
+      </p:pic>
+      <p:pic>
+        <p:nvPicPr>
+          <p:cNvPr id="1030" name="Picture 6" descr="https://www.staatsbosbeheer.nl/~/media/oostvaardersplassen/oostvaardersplassen-grauwe-ganzen-pulletjes.jpg?mw=1120&amp;hash=F94FAAB6D9331941D802805BC24EFDAD664E38FF"/>
+          <p:cNvPicPr>
+            <a:picLocks noChangeAspect="1" noChangeArrowheads="1"/>
+          </p:cNvPicPr>
+          <p:nvPr/>
+        </p:nvPicPr>
+        <p:blipFill>
+          <a:blip r:embed="rId5" cstate="print">
+            <a:extLst>
+              <a:ext uri="{28A0092B-C50C-407E-A947-70E740481C1C}">
+                <a14:useLocalDpi xmlns:a14="http://schemas.microsoft.com/office/drawing/2010/main" val="0"/>
+              </a:ext>
+            </a:extLst>
+          </a:blip>
+          <a:srcRect/>
+          <a:stretch>
+            <a:fillRect/>
+          </a:stretch>
+        </p:blipFill>
+        <p:spPr bwMode="auto">
+          <a:xfrm>
+            <a:off x="333772" y="3068960"/>
+            <a:ext cx="3575835" cy="2383890"/>
+          </a:xfrm>
+          <a:prstGeom prst="rect">
+            <a:avLst/>
+          </a:prstGeom>
+          <a:ln>
+            <a:noFill/>
+          </a:ln>
+          <a:effectLst>
+            <a:softEdge rad="112500"/>
+          </a:effectLst>
+          <a:extLst>
+            <a:ext uri="{909E8E84-426E-40DD-AFC4-6F175D3DCCD1}">
+              <a14:hiddenFill xmlns:a14="http://schemas.microsoft.com/office/drawing/2010/main">
+                <a:solidFill>
+                  <a:srgbClr val="FFFFFF"/>
+                </a:solidFill>
+              </a14:hiddenFill>
+            </a:ext>
+          </a:extLst>
+        </p:spPr>
+      </p:pic>
     </p:spTree>
     <p:extLst>
       <p:ext uri="{BB962C8B-B14F-4D97-AF65-F5344CB8AC3E}">
@@ -29935,18 +31193,12 @@
           <a:lstStyle/>
           <a:p>
             <a:r>
-              <a:rPr lang="en-US" dirty="0">
-                <a:latin typeface="Constantia" pitchFamily="18" charset="0"/>
-              </a:rPr>
-              <a:t>Research </a:t>
-            </a:r>
-            <a:r>
               <a:rPr lang="en-US" dirty="0" smtClean="0">
                 <a:latin typeface="Constantia" pitchFamily="18" charset="0"/>
               </a:rPr>
-              <a:t>Questions</a:t>
+              <a:t>Problem </a:t>
             </a:r>
-            <a:endParaRPr lang="en-CA" dirty="0"/>
+            <a:endParaRPr lang="nl-NL" dirty="0"/>
           </a:p>
         </p:txBody>
       </p:sp>
@@ -29962,17 +31214,23 @@
         </p:nvSpPr>
         <p:spPr/>
         <p:txBody>
-          <a:bodyPr>
-            <a:normAutofit fontScale="32500" lnSpcReduction="20000"/>
-          </a:bodyPr>
+          <a:bodyPr/>
           <a:lstStyle/>
           <a:p>
             <a:pPr marL="0" indent="0">
               <a:buNone/>
             </a:pPr>
             <a:r>
-              <a:rPr lang="en-CA" dirty="0"/>
-              <a:t>The main research question for the programme is going to be divided into two parts. One of the parts focuses on the relationship of the predator-prey relationship while the other focuses on the competition coefficient. For the reason, two applications are needed in order for the answer to be found.</a:t>
+              <a:rPr lang="en-US" dirty="0"/>
+              <a:t>The problem comes from the major factor of the ecosystem has hardly any predators and the herbivore's </a:t>
+            </a:r>
+            <a:r>
+              <a:rPr lang="en-US" dirty="0" err="1"/>
+              <a:t>prohibitation</a:t>
+            </a:r>
+            <a:r>
+              <a:rPr lang="en-US" dirty="0"/>
+              <a:t> of migrating.</a:t>
             </a:r>
           </a:p>
           <a:p>
@@ -29980,8 +31238,8 @@
               <a:buNone/>
             </a:pPr>
             <a:r>
-              <a:rPr lang="en-CA" dirty="0"/>
-              <a:t>Main Research Question of the project at the programme level is:</a:t>
+              <a:rPr lang="en-US" dirty="0"/>
+              <a:t>As well the number of geese, particularly during winter, increase which causes the level of competition to increase. The interaction between the herbivores and the geese for resources can be quite severe, and can lead to extreme situations such as extinction.</a:t>
             </a:r>
           </a:p>
           <a:p>
@@ -29989,119 +31247,29 @@
               <a:buNone/>
             </a:pPr>
             <a:r>
-              <a:rPr lang="en-CA" dirty="0"/>
-              <a:t>What will happen to the populations of deer, cattle, horse and geese if releasing a number of foxes in the preserve (with the number of foxes being the free variable)?</a:t>
-            </a:r>
-          </a:p>
-          <a:p>
-            <a:pPr marL="0" indent="0">
-              <a:buNone/>
-            </a:pPr>
-            <a:r>
-              <a:rPr lang="en-CA" dirty="0"/>
-              <a:t>The Main Research Question for this research paper, project level, derives from the programme research question, based on the competition between the herbivores:</a:t>
-            </a:r>
-          </a:p>
-          <a:p>
-            <a:pPr marL="0" indent="0">
-              <a:buNone/>
-            </a:pPr>
-            <a:r>
-              <a:rPr lang="en-CA" dirty="0"/>
-              <a:t>How do the herbivores and the geese compete for the grass in an enclosed area?</a:t>
-            </a:r>
-          </a:p>
-          <a:p>
-            <a:pPr marL="0" indent="0">
-              <a:buNone/>
-            </a:pPr>
-            <a:r>
-              <a:rPr lang="en-CA" dirty="0"/>
-              <a:t>2.2 Research sub-questions</a:t>
-            </a:r>
-          </a:p>
-          <a:p>
-            <a:pPr marL="0" indent="0">
-              <a:buNone/>
-            </a:pPr>
-            <a:r>
-              <a:rPr lang="en-CA" dirty="0"/>
-              <a:t>The research sub-questions are questions which derive from the main research question and provide the path to the answer of the research paper.</a:t>
-            </a:r>
-          </a:p>
-          <a:p>
-            <a:pPr marL="0" indent="0">
-              <a:buNone/>
-            </a:pPr>
-            <a:r>
-              <a:rPr lang="en-CA" dirty="0"/>
-              <a:t>Sub-Research Questions for this research paper: </a:t>
-            </a:r>
-          </a:p>
-          <a:p>
-            <a:pPr marL="0" indent="0">
-              <a:buNone/>
-            </a:pPr>
-            <a:r>
-              <a:rPr lang="en-CA" dirty="0"/>
-              <a:t>1.	What is the rate of grass consumption of each animal?</a:t>
-            </a:r>
-          </a:p>
-          <a:p>
-            <a:pPr marL="0" indent="0">
-              <a:buNone/>
-            </a:pPr>
-            <a:r>
-              <a:rPr lang="en-CA" dirty="0"/>
-              <a:t>2.	How do animal populations change as a result of grass availability?</a:t>
-            </a:r>
-          </a:p>
-          <a:p>
-            <a:pPr marL="0" indent="0">
-              <a:buNone/>
-            </a:pPr>
-            <a:r>
-              <a:rPr lang="en-CA" dirty="0"/>
-              <a:t>3.	What are the populations of each animal?</a:t>
-            </a:r>
-          </a:p>
-          <a:p>
-            <a:pPr marL="0" indent="0">
-              <a:buNone/>
-            </a:pPr>
-            <a:r>
-              <a:rPr lang="en-CA" dirty="0"/>
-              <a:t>4.	How can the start data and historical data help shape existing mathematical models to an equation which fits the problem in </a:t>
+              <a:rPr lang="en-US" dirty="0"/>
+              <a:t>Thus in consequence the </a:t>
             </a:r>
             <a:r>
-              <a:rPr lang="en-CA" dirty="0" err="1"/>
+              <a:rPr lang="en-US" dirty="0" err="1"/>
               <a:t>Oostvaardersplassen</a:t>
             </a:r>
             <a:r>
-              <a:rPr lang="en-CA" dirty="0"/>
-              <a:t>?</a:t>
-            </a:r>
-          </a:p>
-          <a:p>
-            <a:pPr marL="0" indent="0">
-              <a:buNone/>
-            </a:pPr>
-            <a:r>
-              <a:rPr lang="en-CA" dirty="0"/>
-              <a:t>5.	How can the application hold all the implementations that are being asked</a:t>
+              <a:rPr lang="en-US" dirty="0"/>
+              <a:t> preservation has established an unbalanced ecosystem</a:t>
             </a:r>
             <a:r>
-              <a:rPr lang="en-CA" dirty="0" smtClean="0"/>
-              <a:t>?</a:t>
+              <a:rPr lang="en-US" dirty="0" smtClean="0"/>
+              <a:t>.</a:t>
             </a:r>
-            <a:endParaRPr lang="en-CA" dirty="0"/>
+            <a:endParaRPr lang="en-US" dirty="0"/>
           </a:p>
         </p:txBody>
       </p:sp>
     </p:spTree>
     <p:extLst>
       <p:ext uri="{BB962C8B-B14F-4D97-AF65-F5344CB8AC3E}">
-        <p14:creationId xmlns:p14="http://schemas.microsoft.com/office/powerpoint/2010/main" val="3732329969"/>
+        <p14:creationId xmlns:p14="http://schemas.microsoft.com/office/powerpoint/2010/main" val="797153843"/>
       </p:ext>
     </p:extLst>
   </p:cSld>
@@ -30166,15 +31334,9 @@
               <a:rPr lang="en-US" dirty="0">
                 <a:latin typeface="Constantia" pitchFamily="18" charset="0"/>
               </a:rPr>
-              <a:t>Research </a:t>
+              <a:t>Purpose of the project</a:t>
             </a:r>
-            <a:r>
-              <a:rPr lang="en-US" dirty="0" smtClean="0">
-                <a:latin typeface="Constantia" pitchFamily="18" charset="0"/>
-              </a:rPr>
-              <a:t>Methodology</a:t>
-            </a:r>
-            <a:endParaRPr lang="en-CA" dirty="0"/>
+            <a:endParaRPr lang="nl-NL" dirty="0"/>
           </a:p>
         </p:txBody>
       </p:sp>
@@ -30190,81 +31352,46 @@
         </p:nvSpPr>
         <p:spPr/>
         <p:txBody>
-          <a:bodyPr>
-            <a:normAutofit fontScale="92500" lnSpcReduction="10000"/>
-          </a:bodyPr>
+          <a:bodyPr/>
           <a:lstStyle/>
           <a:p>
             <a:pPr marL="0" indent="0">
               <a:buNone/>
             </a:pPr>
             <a:r>
-              <a:rPr lang="en-GB" dirty="0">
+              <a:rPr lang="en-CA" dirty="0">
                 <a:effectLst/>
               </a:rPr>
-              <a:t>The process of development has several phases that are being implemented to get a final result. One of the phases, which kicks off this research, is based on </a:t>
+              <a:t>The purpose for this project was to work towards a possible solution of the problem involving </a:t>
             </a:r>
             <a:r>
-              <a:rPr lang="en-GB" b="1" dirty="0">
+              <a:rPr lang="en-CA" dirty="0" err="1">
                 <a:effectLst/>
               </a:rPr>
-              <a:t>data collection</a:t>
+              <a:t>Oostvaardersplassen</a:t>
             </a:r>
             <a:r>
-              <a:rPr lang="en-GB" dirty="0">
+              <a:rPr lang="en-CA" dirty="0">
                 <a:effectLst/>
               </a:rPr>
-              <a:t>. This is the point at which all the information necessary to proceed with any of the further steps, is going to be gathered. The second phase of the research then fully focus on the development of the </a:t>
+              <a:t>. This solution is based on mathematical model used in an application, which graphical illustrates predictions of the ecosystem</a:t>
             </a:r>
             <a:r>
-              <a:rPr lang="en-GB" b="1" dirty="0">
+              <a:rPr lang="en-CA" dirty="0" smtClean="0">
                 <a:effectLst/>
               </a:rPr>
-              <a:t>mathematical models</a:t>
+              <a:t>.</a:t>
             </a:r>
-            <a:r>
-              <a:rPr lang="en-GB" dirty="0">
-                <a:effectLst/>
-              </a:rPr>
-              <a:t>, which are the key aspects that bring out the outcome wanted for this research paper. In the third phase, multiple developments are in view, those are the </a:t>
-            </a:r>
-            <a:r>
-              <a:rPr lang="en-GB" b="1" dirty="0">
-                <a:effectLst/>
-              </a:rPr>
-              <a:t>development of the software</a:t>
-            </a:r>
-            <a:r>
-              <a:rPr lang="en-GB" dirty="0">
-                <a:effectLst/>
-              </a:rPr>
-              <a:t>, which includes both the frontend work as well as the backend work. The last phase of the development incorporates the </a:t>
-            </a:r>
-            <a:r>
-              <a:rPr lang="en-GB" b="1" dirty="0">
-                <a:effectLst/>
-              </a:rPr>
-              <a:t>connection</a:t>
-            </a:r>
-            <a:r>
-              <a:rPr lang="en-GB" dirty="0">
-                <a:effectLst/>
-              </a:rPr>
-              <a:t>, which will be established, between the two software applications. Subsequently, each one of these steps will help answer the research sub-questions which in turn will provide a solution to this paper’s research question.</a:t>
-            </a:r>
-            <a:endParaRPr lang="en-CA" dirty="0">
+            <a:endParaRPr lang="nl-NL" dirty="0">
               <a:effectLst/>
             </a:endParaRPr>
-          </a:p>
-          <a:p>
-            <a:endParaRPr lang="en-CA" dirty="0"/>
           </a:p>
         </p:txBody>
       </p:sp>
     </p:spTree>
     <p:extLst>
       <p:ext uri="{BB962C8B-B14F-4D97-AF65-F5344CB8AC3E}">
-        <p14:creationId xmlns:p14="http://schemas.microsoft.com/office/powerpoint/2010/main" val="253961978"/>
+        <p14:creationId xmlns:p14="http://schemas.microsoft.com/office/powerpoint/2010/main" val="334460463"/>
       </p:ext>
     </p:extLst>
   </p:cSld>
@@ -30329,8 +31456,15 @@
               <a:rPr lang="en-US" dirty="0">
                 <a:latin typeface="Constantia" pitchFamily="18" charset="0"/>
               </a:rPr>
-              <a:t>Data Collection</a:t>
+              <a:t>Research </a:t>
             </a:r>
+            <a:r>
+              <a:rPr lang="en-US" dirty="0" smtClean="0">
+                <a:latin typeface="Constantia" pitchFamily="18" charset="0"/>
+              </a:rPr>
+              <a:t>Questions</a:t>
+            </a:r>
+            <a:endParaRPr lang="en-CA" dirty="0"/>
           </a:p>
         </p:txBody>
       </p:sp>
@@ -30346,17 +31480,105 @@
         </p:nvSpPr>
         <p:spPr/>
         <p:txBody>
-          <a:bodyPr/>
+          <a:bodyPr>
+            <a:normAutofit/>
+          </a:bodyPr>
           <a:lstStyle/>
           <a:p>
-            <a:endParaRPr lang="en-CA" dirty="0"/>
+            <a:r>
+              <a:rPr lang="en-CA" b="1" u="sng" dirty="0">
+                <a:effectLst/>
+              </a:rPr>
+              <a:t>Main Research Question </a:t>
+            </a:r>
+            <a:r>
+              <a:rPr lang="en-CA" b="1" u="sng" dirty="0" smtClean="0">
+                <a:effectLst/>
+              </a:rPr>
+              <a:t>at programme level</a:t>
+            </a:r>
+            <a:r>
+              <a:rPr lang="en-CA" dirty="0" smtClean="0">
+                <a:effectLst/>
+              </a:rPr>
+              <a:t>:</a:t>
+            </a:r>
+            <a:endParaRPr lang="nl-NL" dirty="0">
+              <a:effectLst/>
+            </a:endParaRPr>
+          </a:p>
+          <a:p>
+            <a:pPr marL="0" indent="0" algn="ctr">
+              <a:buNone/>
+            </a:pPr>
+            <a:r>
+              <a:rPr lang="en-CA" b="1" dirty="0">
+                <a:effectLst/>
+              </a:rPr>
+              <a:t>What will happen to the populations of deer, cattle, horse and geese if releasing a number of foxes in the preserve (with the number of foxes being the free variable</a:t>
+            </a:r>
+            <a:r>
+              <a:rPr lang="en-CA" b="1" dirty="0" smtClean="0">
+                <a:effectLst/>
+              </a:rPr>
+              <a:t>)?</a:t>
+            </a:r>
+          </a:p>
+          <a:p>
+            <a:pPr algn="ctr"/>
+            <a:endParaRPr lang="nl-NL" b="1" dirty="0">
+              <a:effectLst/>
+            </a:endParaRPr>
+          </a:p>
+          <a:p>
+            <a:r>
+              <a:rPr lang="en-CA" b="1" u="sng" dirty="0">
+                <a:effectLst/>
+              </a:rPr>
+              <a:t>The Main Research Question </a:t>
+            </a:r>
+            <a:r>
+              <a:rPr lang="en-CA" u="sng" dirty="0" smtClean="0">
+                <a:effectLst/>
+              </a:rPr>
+              <a:t>at </a:t>
+            </a:r>
+            <a:r>
+              <a:rPr lang="en-CA" b="1" u="sng" dirty="0" smtClean="0">
+                <a:effectLst/>
+              </a:rPr>
+              <a:t>project level</a:t>
+            </a:r>
+            <a:r>
+              <a:rPr lang="en-CA" dirty="0" smtClean="0">
+                <a:effectLst/>
+              </a:rPr>
+              <a:t>:</a:t>
+            </a:r>
+            <a:endParaRPr lang="nl-NL" dirty="0">
+              <a:effectLst/>
+            </a:endParaRPr>
+          </a:p>
+          <a:p>
+            <a:pPr marL="0" indent="0" algn="ctr">
+              <a:buNone/>
+            </a:pPr>
+            <a:r>
+              <a:rPr lang="en-CA" b="1" dirty="0">
+                <a:effectLst/>
+              </a:rPr>
+              <a:t>How do the herbivores and the geese compete for the grass in an enclosed area?</a:t>
+            </a:r>
+            <a:endParaRPr lang="nl-NL" b="1" dirty="0">
+              <a:effectLst/>
+            </a:endParaRPr>
           </a:p>
         </p:txBody>
       </p:sp>
     </p:spTree>
     <p:extLst>
       <p:ext uri="{BB962C8B-B14F-4D97-AF65-F5344CB8AC3E}">
-        <p14:creationId xmlns:p14="http://schemas.microsoft.com/office/powerpoint/2010/main" val="1320336707"/>
+        <p14:creationId xmlns:p14="http://schemas.microsoft.com/office/powerpoint/2010/main" val="3732329969"/>
       </p:ext>
     </p:extLst>
   </p:cSld>
@@ -30418,695 +31640,165 @@
           <a:lstStyle/>
           <a:p>
             <a:r>
-              <a:rPr lang="en-CA" dirty="0"/>
-              <a:t>Mathematical Models and Equations</a:t>
+              <a:rPr lang="en-US" dirty="0">
+                <a:latin typeface="Constantia" pitchFamily="18" charset="0"/>
+              </a:rPr>
+              <a:t>Research </a:t>
             </a:r>
+            <a:r>
+              <a:rPr lang="en-US" dirty="0" smtClean="0">
+                <a:latin typeface="Constantia" pitchFamily="18" charset="0"/>
+              </a:rPr>
+              <a:t>Questions</a:t>
+            </a:r>
+            <a:endParaRPr lang="en-CA" dirty="0"/>
           </a:p>
         </p:txBody>
       </p:sp>
-      <mc:AlternateContent xmlns:mc="http://schemas.openxmlformats.org/markup-compatibility/2006">
-        <mc:Choice xmlns:a14="http://schemas.microsoft.com/office/drawing/2010/main" Requires="a14">
-          <p:sp>
-            <p:nvSpPr>
-              <p:cNvPr id="3" name="Content Placeholder 2"/>
-              <p:cNvSpPr>
-                <a:spLocks noGrp="1"/>
-              </p:cNvSpPr>
-              <p:nvPr>
-                <p:ph idx="1"/>
-              </p:nvPr>
-            </p:nvSpPr>
-            <p:spPr/>
-            <p:txBody>
-              <a:bodyPr/>
-              <a:lstStyle/>
-              <a:p>
-                <a:pPr marL="0" indent="0">
-                  <a:buNone/>
-                </a:pPr>
-                <a14:m>
-                  <m:oMathPara xmlns:m="http://schemas.openxmlformats.org/officeDocument/2006/math">
-                    <m:oMathParaPr>
-                      <m:jc m:val="centerGroup"/>
-                    </m:oMathParaPr>
-                    <m:oMath xmlns:m="http://schemas.openxmlformats.org/officeDocument/2006/math">
-                      <m:f>
-                        <m:fPr>
-                          <m:ctrlPr>
-                            <a:rPr lang="en-CA" i="1">
-                              <a:effectLst/>
-                            </a:rPr>
-                          </m:ctrlPr>
-                        </m:fPr>
-                        <m:num>
-                          <m:sSub>
-                            <m:sSubPr>
-                              <m:ctrlPr>
-                                <a:rPr lang="en-CA" i="1">
-                                  <a:effectLst/>
-                                </a:rPr>
-                              </m:ctrlPr>
-                            </m:sSubPr>
-                            <m:e>
-                              <m:r>
-                                <a:rPr lang="en-GB" i="1">
-                                  <a:effectLst/>
-                                </a:rPr>
-                                <m:t>𝑑𝑥</m:t>
-                              </m:r>
-                            </m:e>
-                            <m:sub>
-                              <m:r>
-                                <a:rPr lang="en-GB" i="1">
-                                  <a:effectLst/>
-                                </a:rPr>
-                                <m:t>𝑖</m:t>
-                              </m:r>
-                            </m:sub>
-                          </m:sSub>
-                        </m:num>
-                        <m:den>
-                          <m:r>
-                            <a:rPr lang="en-GB" i="1">
-                              <a:effectLst/>
-                            </a:rPr>
-                            <m:t>𝑑𝑡</m:t>
-                          </m:r>
-                        </m:den>
-                      </m:f>
-                      <m:r>
-                        <a:rPr lang="en-GB" i="1">
-                          <a:effectLst/>
-                        </a:rPr>
-                        <m:t>=</m:t>
-                      </m:r>
-                      <m:sSub>
-                        <m:sSubPr>
-                          <m:ctrlPr>
-                            <a:rPr lang="en-CA" i="1">
-                              <a:effectLst/>
-                            </a:rPr>
-                          </m:ctrlPr>
-                        </m:sSubPr>
-                        <m:e>
-                          <m:r>
-                            <a:rPr lang="en-GB" i="1">
-                              <a:effectLst/>
-                            </a:rPr>
-                            <m:t>𝑟</m:t>
-                          </m:r>
-                        </m:e>
-                        <m:sub>
-                          <m:r>
-                            <a:rPr lang="en-GB" i="1">
-                              <a:effectLst/>
-                            </a:rPr>
-                            <m:t>𝑖</m:t>
-                          </m:r>
-                        </m:sub>
-                      </m:sSub>
-                      <m:sSub>
-                        <m:sSubPr>
-                          <m:ctrlPr>
-                            <a:rPr lang="en-CA" i="1">
-                              <a:effectLst/>
-                            </a:rPr>
-                          </m:ctrlPr>
-                        </m:sSubPr>
-                        <m:e>
-                          <m:r>
-                            <a:rPr lang="en-GB" i="1">
-                              <a:effectLst/>
-                            </a:rPr>
-                            <m:t>𝑥</m:t>
-                          </m:r>
-                        </m:e>
-                        <m:sub>
-                          <m:r>
-                            <a:rPr lang="en-GB" i="1">
-                              <a:effectLst/>
-                            </a:rPr>
-                            <m:t>𝑖</m:t>
-                          </m:r>
-                        </m:sub>
-                      </m:sSub>
-                      <m:d>
-                        <m:dPr>
-                          <m:ctrlPr>
-                            <a:rPr lang="en-CA" i="1">
-                              <a:effectLst/>
-                            </a:rPr>
-                          </m:ctrlPr>
-                        </m:dPr>
-                        <m:e>
-                          <m:r>
-                            <a:rPr lang="en-GB" i="1">
-                              <a:effectLst/>
-                            </a:rPr>
-                            <m:t>1−</m:t>
-                          </m:r>
-                          <m:f>
-                            <m:fPr>
-                              <m:ctrlPr>
-                                <a:rPr lang="en-CA" i="1">
-                                  <a:effectLst/>
-                                </a:rPr>
-                              </m:ctrlPr>
-                            </m:fPr>
-                            <m:num>
-                              <m:nary>
-                                <m:naryPr>
-                                  <m:chr m:val="∑"/>
-                                  <m:limLoc m:val="undOvr"/>
-                                  <m:ctrlPr>
-                                    <a:rPr lang="en-CA" i="1">
-                                      <a:effectLst/>
-                                    </a:rPr>
-                                  </m:ctrlPr>
-                                </m:naryPr>
-                                <m:sub>
-                                  <m:r>
-                                    <a:rPr lang="en-GB" i="1">
-                                      <a:effectLst/>
-                                    </a:rPr>
-                                    <m:t>𝑗</m:t>
-                                  </m:r>
-                                  <m:r>
-                                    <a:rPr lang="en-GB" i="1">
-                                      <a:effectLst/>
-                                    </a:rPr>
-                                    <m:t>=1</m:t>
-                                  </m:r>
-                                </m:sub>
-                                <m:sup>
-                                  <m:r>
-                                    <a:rPr lang="en-GB" i="1">
-                                      <a:effectLst/>
-                                    </a:rPr>
-                                    <m:t>𝑁</m:t>
-                                  </m:r>
-                                </m:sup>
-                                <m:e>
-                                  <m:sSub>
-                                    <m:sSubPr>
-                                      <m:ctrlPr>
-                                        <a:rPr lang="en-CA" i="1">
-                                          <a:effectLst/>
-                                        </a:rPr>
-                                      </m:ctrlPr>
-                                    </m:sSubPr>
-                                    <m:e>
-                                      <m:r>
-                                        <a:rPr lang="en-GB" i="1">
-                                          <a:effectLst/>
-                                        </a:rPr>
-                                        <m:t>𝑎</m:t>
-                                      </m:r>
-                                    </m:e>
-                                    <m:sub>
-                                      <m:r>
-                                        <a:rPr lang="en-GB" i="1">
-                                          <a:effectLst/>
-                                        </a:rPr>
-                                        <m:t>𝑖𝑗</m:t>
-                                      </m:r>
-                                    </m:sub>
-                                  </m:sSub>
-                                  <m:sSub>
-                                    <m:sSubPr>
-                                      <m:ctrlPr>
-                                        <a:rPr lang="en-CA" i="1">
-                                          <a:effectLst/>
-                                        </a:rPr>
-                                      </m:ctrlPr>
-                                    </m:sSubPr>
-                                    <m:e>
-                                      <m:r>
-                                        <a:rPr lang="en-GB" i="1">
-                                          <a:effectLst/>
-                                        </a:rPr>
-                                        <m:t>𝑥</m:t>
-                                      </m:r>
-                                    </m:e>
-                                    <m:sub>
-                                      <m:r>
-                                        <a:rPr lang="en-GB" i="1">
-                                          <a:effectLst/>
-                                        </a:rPr>
-                                        <m:t>𝑗</m:t>
-                                      </m:r>
-                                    </m:sub>
-                                  </m:sSub>
-                                </m:e>
-                              </m:nary>
-                            </m:num>
-                            <m:den>
-                              <m:sSub>
-                                <m:sSubPr>
-                                  <m:ctrlPr>
-                                    <a:rPr lang="en-CA" i="1">
-                                      <a:effectLst/>
-                                    </a:rPr>
-                                  </m:ctrlPr>
-                                </m:sSubPr>
-                                <m:e>
-                                  <m:r>
-                                    <a:rPr lang="en-GB" i="1">
-                                      <a:effectLst/>
-                                    </a:rPr>
-                                    <m:t>𝐺𝐾</m:t>
-                                  </m:r>
-                                </m:e>
-                                <m:sub>
-                                  <m:r>
-                                    <a:rPr lang="en-GB" i="1">
-                                      <a:effectLst/>
-                                    </a:rPr>
-                                    <m:t>𝑖</m:t>
-                                  </m:r>
-                                </m:sub>
-                              </m:sSub>
-                            </m:den>
-                          </m:f>
-                        </m:e>
-                      </m:d>
-                      <m:r>
-                        <a:rPr lang="en-GB" i="1">
-                          <a:effectLst/>
-                        </a:rPr>
-                        <m:t> </m:t>
-                      </m:r>
-                      <m:r>
-                        <m:rPr>
-                          <m:nor/>
-                        </m:rPr>
-                        <a:rPr lang="en-GB">
-                          <a:effectLst/>
-                        </a:rPr>
-                        <m:t>Equation</m:t>
-                      </m:r>
-                      <m:r>
-                        <m:rPr>
-                          <m:nor/>
-                        </m:rPr>
-                        <a:rPr lang="en-GB">
-                          <a:effectLst/>
-                        </a:rPr>
-                        <m:t> 1.1</m:t>
-                      </m:r>
-                    </m:oMath>
-                  </m:oMathPara>
-                </a14:m>
-                <a:endParaRPr lang="en-CA" dirty="0">
-                  <a:effectLst/>
-                </a:endParaRPr>
-              </a:p>
-              <a:p>
-                <a:pPr marL="0" indent="0">
-                  <a:buNone/>
-                </a:pPr>
-                <a:r>
-                  <a:rPr lang="en-GB" i="1" dirty="0">
-                    <a:effectLst/>
-                  </a:rPr>
-                  <a:t>A Modified version</a:t>
-                </a:r>
-                <a:r>
-                  <a:rPr lang="en-GB" dirty="0">
-                    <a:effectLst/>
-                  </a:rPr>
-                  <a:t> of the equation of competitive </a:t>
-                </a:r>
-                <a:r>
-                  <a:rPr lang="en-GB" dirty="0" err="1">
-                    <a:effectLst/>
-                  </a:rPr>
-                  <a:t>Lotka-Volterra</a:t>
-                </a:r>
-                <a:r>
-                  <a:rPr lang="en-GB" dirty="0">
-                    <a:effectLst/>
-                  </a:rPr>
-                  <a:t> model, for N species.</a:t>
-                </a:r>
-                <a:endParaRPr lang="en-CA" dirty="0">
-                  <a:effectLst/>
-                </a:endParaRPr>
-              </a:p>
-              <a:p>
-                <a:pPr marL="0" indent="0">
-                  <a:buNone/>
-                </a:pPr>
-                <a14:m>
-                  <m:oMathPara xmlns:m="http://schemas.openxmlformats.org/officeDocument/2006/math">
-                    <m:oMathParaPr>
-                      <m:jc m:val="centerGroup"/>
-                    </m:oMathParaPr>
-                    <m:oMath xmlns:m="http://schemas.openxmlformats.org/officeDocument/2006/math">
-                      <m:f>
-                        <m:fPr>
-                          <m:ctrlPr>
-                            <a:rPr lang="en-CA" i="1">
-                              <a:effectLst/>
-                            </a:rPr>
-                          </m:ctrlPr>
-                        </m:fPr>
-                        <m:num>
-                          <m:sSub>
-                            <m:sSubPr>
-                              <m:ctrlPr>
-                                <a:rPr lang="en-CA" i="1">
-                                  <a:effectLst/>
-                                </a:rPr>
-                              </m:ctrlPr>
-                            </m:sSubPr>
-                            <m:e>
-                              <m:r>
-                                <a:rPr lang="en-GB" i="1">
-                                  <a:effectLst/>
-                                </a:rPr>
-                                <m:t>𝑑𝑥</m:t>
-                              </m:r>
-                            </m:e>
-                            <m:sub>
-                              <m:r>
-                                <a:rPr lang="en-GB" i="1">
-                                  <a:effectLst/>
-                                </a:rPr>
-                                <m:t>𝑖</m:t>
-                              </m:r>
-                            </m:sub>
-                          </m:sSub>
-                        </m:num>
-                        <m:den>
-                          <m:r>
-                            <a:rPr lang="en-GB" i="1">
-                              <a:effectLst/>
-                            </a:rPr>
-                            <m:t>𝑑𝑡</m:t>
-                          </m:r>
-                        </m:den>
-                      </m:f>
-                      <m:r>
-                        <a:rPr lang="en-GB" i="1">
-                          <a:effectLst/>
-                        </a:rPr>
-                        <m:t>=</m:t>
-                      </m:r>
-                      <m:sSub>
-                        <m:sSubPr>
-                          <m:ctrlPr>
-                            <a:rPr lang="en-CA" i="1">
-                              <a:effectLst/>
-                            </a:rPr>
-                          </m:ctrlPr>
-                        </m:sSubPr>
-                        <m:e>
-                          <m:r>
-                            <a:rPr lang="en-GB" i="1">
-                              <a:effectLst/>
-                            </a:rPr>
-                            <m:t>𝑟</m:t>
-                          </m:r>
-                        </m:e>
-                        <m:sub>
-                          <m:r>
-                            <a:rPr lang="en-GB" i="1">
-                              <a:effectLst/>
-                            </a:rPr>
-                            <m:t>𝑖</m:t>
-                          </m:r>
-                        </m:sub>
-                      </m:sSub>
-                      <m:sSub>
-                        <m:sSubPr>
-                          <m:ctrlPr>
-                            <a:rPr lang="en-CA" i="1">
-                              <a:effectLst/>
-                            </a:rPr>
-                          </m:ctrlPr>
-                        </m:sSubPr>
-                        <m:e>
-                          <m:r>
-                            <a:rPr lang="en-GB" i="1">
-                              <a:effectLst/>
-                            </a:rPr>
-                            <m:t>𝑥</m:t>
-                          </m:r>
-                        </m:e>
-                        <m:sub>
-                          <m:r>
-                            <a:rPr lang="en-GB" i="1">
-                              <a:effectLst/>
-                            </a:rPr>
-                            <m:t>𝑖</m:t>
-                          </m:r>
-                        </m:sub>
-                      </m:sSub>
-                      <m:d>
-                        <m:dPr>
-                          <m:ctrlPr>
-                            <a:rPr lang="en-CA" i="1">
-                              <a:effectLst/>
-                            </a:rPr>
-                          </m:ctrlPr>
-                        </m:dPr>
-                        <m:e>
-                          <m:r>
-                            <a:rPr lang="en-GB" i="1">
-                              <a:effectLst/>
-                            </a:rPr>
-                            <m:t>1−</m:t>
-                          </m:r>
-                          <m:f>
-                            <m:fPr>
-                              <m:ctrlPr>
-                                <a:rPr lang="en-CA" i="1">
-                                  <a:effectLst/>
-                                </a:rPr>
-                              </m:ctrlPr>
-                            </m:fPr>
-                            <m:num>
-                              <m:nary>
-                                <m:naryPr>
-                                  <m:chr m:val="∑"/>
-                                  <m:limLoc m:val="undOvr"/>
-                                  <m:ctrlPr>
-                                    <a:rPr lang="en-CA" i="1">
-                                      <a:effectLst/>
-                                    </a:rPr>
-                                  </m:ctrlPr>
-                                </m:naryPr>
-                                <m:sub>
-                                  <m:r>
-                                    <a:rPr lang="en-GB" i="1">
-                                      <a:effectLst/>
-                                    </a:rPr>
-                                    <m:t>𝑗</m:t>
-                                  </m:r>
-                                  <m:r>
-                                    <a:rPr lang="en-GB" i="1">
-                                      <a:effectLst/>
-                                    </a:rPr>
-                                    <m:t>=1</m:t>
-                                  </m:r>
-                                </m:sub>
-                                <m:sup>
-                                  <m:r>
-                                    <a:rPr lang="en-GB" i="1">
-                                      <a:effectLst/>
-                                    </a:rPr>
-                                    <m:t>𝑁</m:t>
-                                  </m:r>
-                                </m:sup>
-                                <m:e>
-                                  <m:sSub>
-                                    <m:sSubPr>
-                                      <m:ctrlPr>
-                                        <a:rPr lang="en-CA" i="1">
-                                          <a:effectLst/>
-                                        </a:rPr>
-                                      </m:ctrlPr>
-                                    </m:sSubPr>
-                                    <m:e>
-                                      <m:r>
-                                        <a:rPr lang="en-GB" i="1">
-                                          <a:effectLst/>
-                                        </a:rPr>
-                                        <m:t>𝑎</m:t>
-                                      </m:r>
-                                    </m:e>
-                                    <m:sub>
-                                      <m:r>
-                                        <a:rPr lang="en-GB" i="1">
-                                          <a:effectLst/>
-                                        </a:rPr>
-                                        <m:t>𝑖𝑗</m:t>
-                                      </m:r>
-                                    </m:sub>
-                                  </m:sSub>
-                                  <m:sSub>
-                                    <m:sSubPr>
-                                      <m:ctrlPr>
-                                        <a:rPr lang="en-CA" i="1">
-                                          <a:effectLst/>
-                                        </a:rPr>
-                                      </m:ctrlPr>
-                                    </m:sSubPr>
-                                    <m:e>
-                                      <m:r>
-                                        <a:rPr lang="en-GB" i="1">
-                                          <a:effectLst/>
-                                        </a:rPr>
-                                        <m:t>𝑥</m:t>
-                                      </m:r>
-                                    </m:e>
-                                    <m:sub>
-                                      <m:r>
-                                        <a:rPr lang="en-GB" i="1">
-                                          <a:effectLst/>
-                                        </a:rPr>
-                                        <m:t>𝑗</m:t>
-                                      </m:r>
-                                    </m:sub>
-                                  </m:sSub>
-                                </m:e>
-                              </m:nary>
-                            </m:num>
-                            <m:den>
-                              <m:sSub>
-                                <m:sSubPr>
-                                  <m:ctrlPr>
-                                    <a:rPr lang="en-CA" i="1">
-                                      <a:effectLst/>
-                                    </a:rPr>
-                                  </m:ctrlPr>
-                                </m:sSubPr>
-                                <m:e>
-                                  <m:r>
-                                    <a:rPr lang="en-GB" i="1">
-                                      <a:effectLst/>
-                                    </a:rPr>
-                                    <m:t>𝐾</m:t>
-                                  </m:r>
-                                </m:e>
-                                <m:sub>
-                                  <m:r>
-                                    <a:rPr lang="en-GB" i="1">
-                                      <a:effectLst/>
-                                    </a:rPr>
-                                    <m:t>𝑖</m:t>
-                                  </m:r>
-                                </m:sub>
-                              </m:sSub>
-                            </m:den>
-                          </m:f>
-                        </m:e>
-                      </m:d>
-                      <m:r>
-                        <a:rPr lang="en-GB" i="1">
-                          <a:effectLst/>
-                        </a:rPr>
-                        <m:t> </m:t>
-                      </m:r>
-                      <m:r>
-                        <m:rPr>
-                          <m:nor/>
-                        </m:rPr>
-                        <a:rPr lang="en-GB">
-                          <a:effectLst/>
-                        </a:rPr>
-                        <m:t>Equation</m:t>
-                      </m:r>
-                      <m:r>
-                        <m:rPr>
-                          <m:nor/>
-                        </m:rPr>
-                        <a:rPr lang="en-GB">
-                          <a:effectLst/>
-                        </a:rPr>
-                        <m:t> 1.2</m:t>
-                      </m:r>
-                    </m:oMath>
-                  </m:oMathPara>
-                </a14:m>
-                <a:endParaRPr lang="en-CA" dirty="0">
-                  <a:effectLst/>
-                </a:endParaRPr>
-              </a:p>
-              <a:p>
-                <a:pPr marL="0" indent="0">
-                  <a:buNone/>
-                </a:pPr>
-                <a:r>
-                  <a:rPr lang="en-GB" dirty="0">
-                    <a:effectLst/>
-                  </a:rPr>
-                  <a:t>	Competitive </a:t>
-                </a:r>
-                <a:r>
-                  <a:rPr lang="en-GB" dirty="0" err="1">
-                    <a:effectLst/>
-                  </a:rPr>
-                  <a:t>Lotka-Volterra</a:t>
-                </a:r>
-                <a:r>
-                  <a:rPr lang="en-GB" dirty="0">
-                    <a:effectLst/>
-                  </a:rPr>
-                  <a:t> model, for N species.</a:t>
-                </a:r>
-                <a:endParaRPr lang="en-CA" dirty="0">
-                  <a:effectLst/>
-                </a:endParaRPr>
-              </a:p>
-              <a:p>
-                <a:pPr marL="0" indent="0">
-                  <a:buNone/>
-                </a:pPr>
-                <a:endParaRPr lang="en-CA" dirty="0"/>
-              </a:p>
-            </p:txBody>
-          </p:sp>
-        </mc:Choice>
-        <mc:Fallback>
-          <p:sp>
-            <p:nvSpPr>
-              <p:cNvPr id="3" name="Content Placeholder 2"/>
-              <p:cNvSpPr>
-                <a:spLocks noGrp="1" noRot="1" noChangeAspect="1" noMove="1" noResize="1" noEditPoints="1" noAdjustHandles="1" noChangeArrowheads="1" noChangeShapeType="1" noTextEdit="1"/>
-              </p:cNvSpPr>
-              <p:nvPr>
-                <p:ph idx="1"/>
-              </p:nvPr>
-            </p:nvSpPr>
-            <p:spPr>
-              <a:blipFill rotWithShape="0">
-                <a:blip r:embed="rId2"/>
-                <a:stretch>
-                  <a:fillRect l="-1067"/>
-                </a:stretch>
-              </a:blipFill>
-            </p:spPr>
-            <p:txBody>
-              <a:bodyPr/>
-              <a:lstStyle/>
-              <a:p>
-                <a:r>
-                  <a:rPr lang="en-CA">
-                    <a:noFill/>
-                  </a:rPr>
-                  <a:t> </a:t>
-                </a:r>
-              </a:p>
-            </p:txBody>
-          </p:sp>
-        </mc:Fallback>
-      </mc:AlternateContent>
+      <p:sp>
+        <p:nvSpPr>
+          <p:cNvPr id="3" name="Content Placeholder 2"/>
+          <p:cNvSpPr>
+            <a:spLocks noGrp="1"/>
+          </p:cNvSpPr>
+          <p:nvPr>
+            <p:ph idx="1"/>
+          </p:nvPr>
+        </p:nvSpPr>
+        <p:spPr>
+          <a:xfrm>
+            <a:off x="1522412" y="1828800"/>
+            <a:ext cx="9972600" cy="4191000"/>
+          </a:xfrm>
+        </p:spPr>
+        <p:txBody>
+          <a:bodyPr>
+            <a:normAutofit/>
+          </a:bodyPr>
+          <a:lstStyle/>
+          <a:p>
+            <a:pPr lvl="0"/>
+            <a:r>
+              <a:rPr lang="en-CA" b="1" i="1" u="sng" dirty="0">
+                <a:effectLst/>
+              </a:rPr>
+              <a:t>Research </a:t>
+            </a:r>
+            <a:r>
+              <a:rPr lang="en-CA" b="1" i="1" u="sng" dirty="0" smtClean="0">
+                <a:effectLst/>
+              </a:rPr>
+              <a:t>sub-questions</a:t>
+            </a:r>
+            <a:r>
+              <a:rPr lang="en-CA" dirty="0" smtClean="0">
+                <a:effectLst/>
+              </a:rPr>
+              <a:t>: </a:t>
+            </a:r>
+            <a:endParaRPr lang="nl-NL" dirty="0" smtClean="0">
+              <a:effectLst/>
+            </a:endParaRPr>
+          </a:p>
+          <a:p>
+            <a:pPr marL="685800" lvl="1" indent="-457200">
+              <a:buFont typeface="+mj-lt"/>
+              <a:buAutoNum type="arabicPeriod"/>
+            </a:pPr>
+            <a:r>
+              <a:rPr lang="en-CA" sz="2400" dirty="0" smtClean="0">
+                <a:effectLst/>
+              </a:rPr>
+              <a:t>What is the rate of grass consumption of each animal?</a:t>
+            </a:r>
+            <a:endParaRPr lang="nl-NL" sz="2400" dirty="0" smtClean="0">
+              <a:effectLst/>
+            </a:endParaRPr>
+          </a:p>
+          <a:p>
+            <a:pPr marL="685800" lvl="1" indent="-457200">
+              <a:buFont typeface="+mj-lt"/>
+              <a:buAutoNum type="arabicPeriod"/>
+            </a:pPr>
+            <a:r>
+              <a:rPr lang="en-CA" sz="2400" dirty="0" smtClean="0">
+                <a:effectLst/>
+              </a:rPr>
+              <a:t>How </a:t>
+            </a:r>
+            <a:r>
+              <a:rPr lang="en-CA" sz="2400" dirty="0">
+                <a:effectLst/>
+              </a:rPr>
+              <a:t>do animal populations change as a result of grass availability?</a:t>
+            </a:r>
+            <a:endParaRPr lang="nl-NL" sz="2400" dirty="0">
+              <a:effectLst/>
+            </a:endParaRPr>
+          </a:p>
+          <a:p>
+            <a:pPr marL="685800" lvl="1" indent="-457200">
+              <a:buFont typeface="+mj-lt"/>
+              <a:buAutoNum type="arabicPeriod"/>
+            </a:pPr>
+            <a:r>
+              <a:rPr lang="en-CA" sz="2400" dirty="0">
+                <a:effectLst/>
+              </a:rPr>
+              <a:t>What are the populations of each animal?</a:t>
+            </a:r>
+            <a:endParaRPr lang="nl-NL" sz="2400" dirty="0">
+              <a:effectLst/>
+            </a:endParaRPr>
+          </a:p>
+          <a:p>
+            <a:pPr marL="685800" lvl="1" indent="-457200">
+              <a:buFont typeface="+mj-lt"/>
+              <a:buAutoNum type="arabicPeriod"/>
+            </a:pPr>
+            <a:r>
+              <a:rPr lang="en-CA" sz="2400" dirty="0">
+                <a:effectLst/>
+              </a:rPr>
+              <a:t>How can the start data and historical data help shape existing mathematical models to an equation which fits the problem in </a:t>
+            </a:r>
+            <a:r>
+              <a:rPr lang="en-CA" sz="2400" dirty="0" err="1">
+                <a:effectLst/>
+              </a:rPr>
+              <a:t>Oostvaardersplassen</a:t>
+            </a:r>
+            <a:r>
+              <a:rPr lang="en-CA" sz="2400" dirty="0">
+                <a:effectLst/>
+              </a:rPr>
+              <a:t>?</a:t>
+            </a:r>
+            <a:endParaRPr lang="nl-NL" sz="2400" dirty="0">
+              <a:effectLst/>
+            </a:endParaRPr>
+          </a:p>
+          <a:p>
+            <a:pPr marL="685800" lvl="1" indent="-457200">
+              <a:buFont typeface="+mj-lt"/>
+              <a:buAutoNum type="arabicPeriod"/>
+            </a:pPr>
+            <a:r>
+              <a:rPr lang="en-CA" sz="2400" dirty="0">
+                <a:effectLst/>
+              </a:rPr>
+              <a:t>How can the application hold all the implementations that are being asked?</a:t>
+            </a:r>
+            <a:endParaRPr lang="nl-NL" sz="2400" dirty="0">
+              <a:effectLst/>
+            </a:endParaRPr>
+          </a:p>
+        </p:txBody>
+      </p:sp>
     </p:spTree>
     <p:extLst>
       <p:ext uri="{BB962C8B-B14F-4D97-AF65-F5344CB8AC3E}">
-        <p14:creationId xmlns:p14="http://schemas.microsoft.com/office/powerpoint/2010/main" val="2012489980"/>
+        <p14:creationId xmlns:p14="http://schemas.microsoft.com/office/powerpoint/2010/main" val="2406775063"/>
       </p:ext>
     </p:extLst>
   </p:cSld>
@@ -31168,8 +31860,16 @@
           <a:lstStyle/>
           <a:p>
             <a:r>
-              <a:rPr lang="en-CA" dirty="0" smtClean="0"/>
-              <a:t>Software Development</a:t>
+              <a:rPr lang="en-US" dirty="0">
+                <a:latin typeface="Constantia" pitchFamily="18" charset="0"/>
+              </a:rPr>
+              <a:t>Research </a:t>
+            </a:r>
+            <a:r>
+              <a:rPr lang="en-US" dirty="0" smtClean="0">
+                <a:latin typeface="Constantia" pitchFamily="18" charset="0"/>
+              </a:rPr>
+              <a:t>Methodology</a:t>
             </a:r>
             <a:endParaRPr lang="en-CA" dirty="0"/>
           </a:p>
@@ -31187,17 +31887,118 @@
         </p:nvSpPr>
         <p:spPr/>
         <p:txBody>
-          <a:bodyPr/>
+          <a:bodyPr>
+            <a:normAutofit/>
+          </a:bodyPr>
           <a:lstStyle/>
           <a:p>
-            <a:endParaRPr lang="en-CA"/>
+            <a:pPr marL="0" indent="0">
+              <a:buNone/>
+            </a:pPr>
+            <a:r>
+              <a:rPr lang="en-CA" dirty="0">
+                <a:effectLst/>
+              </a:rPr>
+              <a:t>The research methodology had several development </a:t>
+            </a:r>
+            <a:r>
+              <a:rPr lang="en-CA" dirty="0" smtClean="0">
+                <a:effectLst/>
+              </a:rPr>
+              <a:t>phases:</a:t>
+            </a:r>
+          </a:p>
+          <a:p>
+            <a:pPr marL="457200" indent="-457200" algn="ctr">
+              <a:buFont typeface="+mj-lt"/>
+              <a:buAutoNum type="arabicPeriod"/>
+            </a:pPr>
+            <a:endParaRPr lang="en-CA" sz="2800" b="1" dirty="0" smtClean="0">
+              <a:effectLst/>
+            </a:endParaRPr>
+          </a:p>
+          <a:p>
+            <a:pPr marL="457200" indent="-457200" algn="ctr">
+              <a:buFont typeface="+mj-lt"/>
+              <a:buAutoNum type="arabicPeriod"/>
+            </a:pPr>
+            <a:r>
+              <a:rPr lang="en-CA" sz="2800" b="1" dirty="0" smtClean="0">
+                <a:effectLst/>
+              </a:rPr>
+              <a:t>Data </a:t>
+            </a:r>
+            <a:r>
+              <a:rPr lang="en-CA" sz="2800" b="1" dirty="0">
+                <a:effectLst/>
+              </a:rPr>
+              <a:t>Collection</a:t>
+            </a:r>
+            <a:r>
+              <a:rPr lang="en-CA" sz="2800" dirty="0">
+                <a:effectLst/>
+              </a:rPr>
+              <a:t> </a:t>
+            </a:r>
+            <a:endParaRPr lang="en-CA" sz="2800" dirty="0" smtClean="0">
+              <a:effectLst/>
+            </a:endParaRPr>
+          </a:p>
+          <a:p>
+            <a:pPr marL="457200" indent="-457200" algn="ctr">
+              <a:buFont typeface="+mj-lt"/>
+              <a:buAutoNum type="arabicPeriod"/>
+            </a:pPr>
+            <a:r>
+              <a:rPr lang="en-CA" sz="2800" b="1" dirty="0">
+                <a:effectLst/>
+              </a:rPr>
+              <a:t>Mathematical Models </a:t>
+            </a:r>
+            <a:endParaRPr lang="en-CA" sz="2800" b="1" dirty="0" smtClean="0">
+              <a:effectLst/>
+            </a:endParaRPr>
+          </a:p>
+          <a:p>
+            <a:pPr marL="457200" indent="-457200" algn="ctr">
+              <a:buFont typeface="+mj-lt"/>
+              <a:buAutoNum type="arabicPeriod"/>
+            </a:pPr>
+            <a:r>
+              <a:rPr lang="en-CA" sz="2800" b="1" dirty="0">
+                <a:effectLst/>
+              </a:rPr>
+              <a:t>Software development </a:t>
+            </a:r>
+            <a:endParaRPr lang="en-CA" sz="2800" b="1" dirty="0" smtClean="0">
+              <a:effectLst/>
+            </a:endParaRPr>
+          </a:p>
+          <a:p>
+            <a:pPr marL="457200" indent="-457200" algn="ctr">
+              <a:buFont typeface="+mj-lt"/>
+              <a:buAutoNum type="arabicPeriod"/>
+            </a:pPr>
+            <a:r>
+              <a:rPr lang="en-CA" sz="2800" b="1" dirty="0">
+                <a:effectLst/>
+              </a:rPr>
+              <a:t>Connection</a:t>
+            </a:r>
+            <a:r>
+              <a:rPr lang="en-CA" sz="2800" dirty="0">
+                <a:effectLst/>
+              </a:rPr>
+              <a:t> </a:t>
+            </a:r>
+            <a:endParaRPr lang="en-CA" sz="2800" dirty="0"/>
           </a:p>
         </p:txBody>
       </p:sp>
     </p:spTree>
     <p:extLst>
       <p:ext uri="{BB962C8B-B14F-4D97-AF65-F5344CB8AC3E}">
-        <p14:creationId xmlns:p14="http://schemas.microsoft.com/office/powerpoint/2010/main" val="939161795"/>
+        <p14:creationId xmlns:p14="http://schemas.microsoft.com/office/powerpoint/2010/main" val="253961978"/>
       </p:ext>
     </p:extLst>
   </p:cSld>
@@ -31259,10 +32060,17 @@
           <a:lstStyle/>
           <a:p>
             <a:r>
-              <a:rPr lang="en-CA" dirty="0" smtClean="0"/>
-              <a:t>Connection between Applications</a:t>
+              <a:rPr lang="en-US" dirty="0" smtClean="0">
+                <a:latin typeface="Constantia" pitchFamily="18" charset="0"/>
+              </a:rPr>
+              <a:t>1. Data </a:t>
             </a:r>
-            <a:endParaRPr lang="en-CA" dirty="0"/>
+            <a:r>
+              <a:rPr lang="en-US" dirty="0">
+                <a:latin typeface="Constantia" pitchFamily="18" charset="0"/>
+              </a:rPr>
+              <a:t>Collection</a:t>
+            </a:r>
           </a:p>
         </p:txBody>
       </p:sp>
@@ -31281,14 +32089,14 @@
           <a:bodyPr/>
           <a:lstStyle/>
           <a:p>
-            <a:endParaRPr lang="en-CA"/>
+            <a:endParaRPr lang="en-CA" dirty="0"/>
           </a:p>
         </p:txBody>
       </p:sp>
     </p:spTree>
     <p:extLst>
       <p:ext uri="{BB962C8B-B14F-4D97-AF65-F5344CB8AC3E}">
-        <p14:creationId xmlns:p14="http://schemas.microsoft.com/office/powerpoint/2010/main" val="3476752290"/>
+        <p14:creationId xmlns:p14="http://schemas.microsoft.com/office/powerpoint/2010/main" val="1320336707"/>
       </p:ext>
     </p:extLst>
   </p:cSld>

--- a/Presentation/AppPresentation.pptx
+++ b/Presentation/AppPresentation.pptx
@@ -5,10 +5,10 @@
     <p:sldMasterId id="2147483660" r:id="rId2"/>
   </p:sldMasterIdLst>
   <p:notesMasterIdLst>
-    <p:notesMasterId r:id="rId18"/>
+    <p:notesMasterId r:id="rId20"/>
   </p:notesMasterIdLst>
   <p:handoutMasterIdLst>
-    <p:handoutMasterId r:id="rId19"/>
+    <p:handoutMasterId r:id="rId21"/>
   </p:handoutMasterIdLst>
   <p:sldIdLst>
     <p:sldId id="256" r:id="rId3"/>
@@ -21,16 +21,18 @@
     <p:sldId id="260" r:id="rId10"/>
     <p:sldId id="261" r:id="rId11"/>
     <p:sldId id="262" r:id="rId12"/>
-    <p:sldId id="266" r:id="rId13"/>
-    <p:sldId id="267" r:id="rId14"/>
-    <p:sldId id="263" r:id="rId15"/>
-    <p:sldId id="264" r:id="rId16"/>
-    <p:sldId id="265" r:id="rId17"/>
+    <p:sldId id="271" r:id="rId13"/>
+    <p:sldId id="266" r:id="rId14"/>
+    <p:sldId id="272" r:id="rId15"/>
+    <p:sldId id="267" r:id="rId16"/>
+    <p:sldId id="263" r:id="rId17"/>
+    <p:sldId id="264" r:id="rId18"/>
+    <p:sldId id="265" r:id="rId19"/>
   </p:sldIdLst>
   <p:sldSz cx="12188825" cy="6858000"/>
   <p:notesSz cx="6858000" cy="9144000"/>
   <p:custDataLst>
-    <p:tags r:id="rId20"/>
+    <p:tags r:id="rId22"/>
   </p:custDataLst>
   <p:defaultTextStyle>
     <a:defPPr>
@@ -129,7 +131,7 @@
   </p:defaultTextStyle>
   <p:extLst>
     <p:ext uri="{EFAFB233-063F-42B5-8137-9DF3F51BA10A}">
-      <p15:sldGuideLst xmlns:p15="http://schemas.microsoft.com/office/powerpoint/2012/main" xmlns="">
+      <p15:sldGuideLst xmlns="" xmlns:p15="http://schemas.microsoft.com/office/powerpoint/2012/main">
         <p15:guide id="1" orient="horz" pos="2160">
           <p15:clr>
             <a:srgbClr val="A4A3A4"/>
@@ -143,7 +145,7 @@
       </p15:sldGuideLst>
     </p:ext>
     <p:ext uri="{2D200454-40CA-4A62-9FC3-DE9A4176ACB9}">
-      <p15:notesGuideLst xmlns:p15="http://schemas.microsoft.com/office/powerpoint/2012/main" xmlns=""/>
+      <p15:notesGuideLst xmlns="" xmlns:p15="http://schemas.microsoft.com/office/powerpoint/2012/main"/>
     </p:ext>
   </p:extLst>
 </p:presentation>
@@ -29084,7 +29086,7 @@
   </p:txStyles>
   <p:extLst>
     <p:ext uri="{27BBF7A9-308A-43DC-89C8-2F10F3537804}">
-      <p15:sldGuideLst xmlns:p15="http://schemas.microsoft.com/office/powerpoint/2012/main" xmlns="">
+      <p15:sldGuideLst xmlns="" xmlns:p15="http://schemas.microsoft.com/office/powerpoint/2012/main">
         <p15:guide id="1" pos="3839" userDrawn="1">
           <p15:clr>
             <a:srgbClr val="F26B43"/>
@@ -29355,8 +29357,8 @@
           </a:p>
         </p:txBody>
       </p:sp>
-      <mc:AlternateContent xmlns:mc="http://schemas.openxmlformats.org/markup-compatibility/2006" xmlns:a14="http://schemas.microsoft.com/office/drawing/2010/main">
-        <mc:Choice Requires="a14">
+      <mc:AlternateContent xmlns:mc="http://schemas.openxmlformats.org/markup-compatibility/2006">
+        <mc:Choice xmlns:a14="http://schemas.microsoft.com/office/drawing/2010/main" Requires="a14">
           <p:sp>
             <p:nvSpPr>
               <p:cNvPr id="3" name="Content Placeholder 2"/>
@@ -29369,315 +29371,57 @@
             </p:nvSpPr>
             <p:spPr/>
             <p:txBody>
-              <a:bodyPr/>
+              <a:bodyPr>
+                <a:normAutofit/>
+              </a:bodyPr>
               <a:lstStyle/>
               <a:p>
                 <a:pPr marL="0" indent="0">
                   <a:buNone/>
                 </a:pPr>
-                <a14:m>
-                  <m:oMathPara xmlns:m="http://schemas.openxmlformats.org/officeDocument/2006/math">
-                    <m:oMathParaPr>
-                      <m:jc m:val="centerGroup"/>
-                    </m:oMathParaPr>
-                    <m:oMath xmlns:m="http://schemas.openxmlformats.org/officeDocument/2006/math">
-                      <m:f>
-                        <m:fPr>
-                          <m:ctrlPr>
-                            <a:rPr lang="en-CA" i="1">
-                              <a:effectLst/>
-                              <a:latin typeface="Cambria Math"/>
-                            </a:rPr>
-                          </m:ctrlPr>
-                        </m:fPr>
-                        <m:num>
-                          <m:sSub>
-                            <m:sSubPr>
-                              <m:ctrlPr>
-                                <a:rPr lang="en-CA" i="1">
-                                  <a:effectLst/>
-                                  <a:latin typeface="Cambria Math"/>
-                                </a:rPr>
-                              </m:ctrlPr>
-                            </m:sSubPr>
-                            <m:e>
-                              <m:r>
-                                <a:rPr lang="en-GB" i="1">
-                                  <a:effectLst/>
-                                  <a:latin typeface="Cambria Math"/>
-                                </a:rPr>
-                                <m:t>𝑑𝑥</m:t>
-                              </m:r>
-                            </m:e>
-                            <m:sub>
-                              <m:r>
-                                <a:rPr lang="en-GB" i="1">
-                                  <a:effectLst/>
-                                  <a:latin typeface="Cambria Math"/>
-                                </a:rPr>
-                                <m:t>𝑖</m:t>
-                              </m:r>
-                            </m:sub>
-                          </m:sSub>
-                        </m:num>
-                        <m:den>
-                          <m:r>
-                            <a:rPr lang="en-GB" i="1">
-                              <a:effectLst/>
-                              <a:latin typeface="Cambria Math"/>
-                            </a:rPr>
-                            <m:t>𝑑𝑡</m:t>
-                          </m:r>
-                        </m:den>
-                      </m:f>
-                      <m:r>
-                        <a:rPr lang="en-GB" i="1">
-                          <a:effectLst/>
-                          <a:latin typeface="Cambria Math"/>
-                        </a:rPr>
-                        <m:t>=</m:t>
-                      </m:r>
-                      <m:sSub>
-                        <m:sSubPr>
-                          <m:ctrlPr>
-                            <a:rPr lang="en-CA" i="1">
-                              <a:effectLst/>
-                              <a:latin typeface="Cambria Math"/>
-                            </a:rPr>
-                          </m:ctrlPr>
-                        </m:sSubPr>
-                        <m:e>
-                          <m:r>
-                            <a:rPr lang="en-GB" i="1">
-                              <a:effectLst/>
-                              <a:latin typeface="Cambria Math"/>
-                            </a:rPr>
-                            <m:t>𝑟</m:t>
-                          </m:r>
-                        </m:e>
-                        <m:sub>
-                          <m:r>
-                            <a:rPr lang="en-GB" i="1">
-                              <a:effectLst/>
-                              <a:latin typeface="Cambria Math"/>
-                            </a:rPr>
-                            <m:t>𝑖</m:t>
-                          </m:r>
-                        </m:sub>
-                      </m:sSub>
-                      <m:sSub>
-                        <m:sSubPr>
-                          <m:ctrlPr>
-                            <a:rPr lang="en-CA" i="1">
-                              <a:effectLst/>
-                              <a:latin typeface="Cambria Math"/>
-                            </a:rPr>
-                          </m:ctrlPr>
-                        </m:sSubPr>
-                        <m:e>
-                          <m:r>
-                            <a:rPr lang="en-GB" i="1">
-                              <a:effectLst/>
-                              <a:latin typeface="Cambria Math"/>
-                            </a:rPr>
-                            <m:t>𝑥</m:t>
-                          </m:r>
-                        </m:e>
-                        <m:sub>
-                          <m:r>
-                            <a:rPr lang="en-GB" i="1">
-                              <a:effectLst/>
-                              <a:latin typeface="Cambria Math"/>
-                            </a:rPr>
-                            <m:t>𝑖</m:t>
-                          </m:r>
-                        </m:sub>
-                      </m:sSub>
-                      <m:d>
-                        <m:dPr>
-                          <m:ctrlPr>
-                            <a:rPr lang="en-CA" i="1">
-                              <a:effectLst/>
-                              <a:latin typeface="Cambria Math"/>
-                            </a:rPr>
-                          </m:ctrlPr>
-                        </m:dPr>
-                        <m:e>
-                          <m:r>
-                            <a:rPr lang="en-GB" i="1">
-                              <a:effectLst/>
-                              <a:latin typeface="Cambria Math"/>
-                            </a:rPr>
-                            <m:t>1−</m:t>
-                          </m:r>
-                          <m:f>
-                            <m:fPr>
-                              <m:ctrlPr>
-                                <a:rPr lang="en-CA" i="1">
-                                  <a:effectLst/>
-                                  <a:latin typeface="Cambria Math"/>
-                                </a:rPr>
-                              </m:ctrlPr>
-                            </m:fPr>
-                            <m:num>
-                              <m:nary>
-                                <m:naryPr>
-                                  <m:chr m:val="∑"/>
-                                  <m:limLoc m:val="undOvr"/>
-                                  <m:ctrlPr>
-                                    <a:rPr lang="en-CA" i="1">
-                                      <a:effectLst/>
-                                      <a:latin typeface="Cambria Math"/>
-                                    </a:rPr>
-                                  </m:ctrlPr>
-                                </m:naryPr>
-                                <m:sub>
-                                  <m:r>
-                                    <a:rPr lang="en-GB" i="1">
-                                      <a:effectLst/>
-                                      <a:latin typeface="Cambria Math"/>
-                                    </a:rPr>
-                                    <m:t>𝑗</m:t>
-                                  </m:r>
-                                  <m:r>
-                                    <a:rPr lang="en-GB" i="1">
-                                      <a:effectLst/>
-                                      <a:latin typeface="Cambria Math"/>
-                                    </a:rPr>
-                                    <m:t>=1</m:t>
-                                  </m:r>
-                                </m:sub>
-                                <m:sup>
-                                  <m:r>
-                                    <a:rPr lang="en-GB" i="1">
-                                      <a:effectLst/>
-                                      <a:latin typeface="Cambria Math"/>
-                                    </a:rPr>
-                                    <m:t>𝑁</m:t>
-                                  </m:r>
-                                </m:sup>
-                                <m:e>
-                                  <m:sSub>
-                                    <m:sSubPr>
-                                      <m:ctrlPr>
-                                        <a:rPr lang="en-CA" i="1">
-                                          <a:effectLst/>
-                                          <a:latin typeface="Cambria Math"/>
-                                        </a:rPr>
-                                      </m:ctrlPr>
-                                    </m:sSubPr>
-                                    <m:e>
-                                      <m:r>
-                                        <a:rPr lang="en-GB" i="1">
-                                          <a:effectLst/>
-                                          <a:latin typeface="Cambria Math"/>
-                                        </a:rPr>
-                                        <m:t>𝑎</m:t>
-                                      </m:r>
-                                    </m:e>
-                                    <m:sub>
-                                      <m:r>
-                                        <a:rPr lang="en-GB" i="1">
-                                          <a:effectLst/>
-                                          <a:latin typeface="Cambria Math"/>
-                                        </a:rPr>
-                                        <m:t>𝑖𝑗</m:t>
-                                      </m:r>
-                                    </m:sub>
-                                  </m:sSub>
-                                  <m:sSub>
-                                    <m:sSubPr>
-                                      <m:ctrlPr>
-                                        <a:rPr lang="en-CA" i="1">
-                                          <a:effectLst/>
-                                          <a:latin typeface="Cambria Math"/>
-                                        </a:rPr>
-                                      </m:ctrlPr>
-                                    </m:sSubPr>
-                                    <m:e>
-                                      <m:r>
-                                        <a:rPr lang="en-GB" i="1">
-                                          <a:effectLst/>
-                                          <a:latin typeface="Cambria Math"/>
-                                        </a:rPr>
-                                        <m:t>𝑥</m:t>
-                                      </m:r>
-                                    </m:e>
-                                    <m:sub>
-                                      <m:r>
-                                        <a:rPr lang="en-GB" i="1">
-                                          <a:effectLst/>
-                                          <a:latin typeface="Cambria Math"/>
-                                        </a:rPr>
-                                        <m:t>𝑗</m:t>
-                                      </m:r>
-                                    </m:sub>
-                                  </m:sSub>
-                                </m:e>
-                              </m:nary>
-                            </m:num>
-                            <m:den>
-                              <m:sSub>
-                                <m:sSubPr>
-                                  <m:ctrlPr>
-                                    <a:rPr lang="en-CA" i="1">
-                                      <a:effectLst/>
-                                      <a:latin typeface="Cambria Math"/>
-                                    </a:rPr>
-                                  </m:ctrlPr>
-                                </m:sSubPr>
-                                <m:e>
-                                  <m:r>
-                                    <a:rPr lang="en-GB" i="1">
-                                      <a:effectLst/>
-                                      <a:latin typeface="Cambria Math"/>
-                                    </a:rPr>
-                                    <m:t>𝐺𝐾</m:t>
-                                  </m:r>
-                                </m:e>
-                                <m:sub>
-                                  <m:r>
-                                    <a:rPr lang="en-GB" i="1">
-                                      <a:effectLst/>
-                                      <a:latin typeface="Cambria Math"/>
-                                    </a:rPr>
-                                    <m:t>𝑖</m:t>
-                                  </m:r>
-                                </m:sub>
-                              </m:sSub>
-                            </m:den>
-                          </m:f>
-                        </m:e>
-                      </m:d>
-                      <m:r>
-                        <a:rPr lang="en-GB" i="1">
-                          <a:effectLst/>
-                          <a:latin typeface="Cambria Math"/>
-                        </a:rPr>
-                        <m:t> </m:t>
-                      </m:r>
-                      <m:r>
-                        <m:rPr>
-                          <m:nor/>
-                        </m:rPr>
-                        <a:rPr lang="en-GB">
-                          <a:effectLst/>
-                        </a:rPr>
-                        <m:t>Equation</m:t>
-                      </m:r>
-                      <m:r>
-                        <m:rPr>
-                          <m:nor/>
-                        </m:rPr>
-                        <a:rPr lang="en-GB">
-                          <a:effectLst/>
-                        </a:rPr>
-                        <m:t> 1.1</m:t>
-                      </m:r>
-                    </m:oMath>
-                  </m:oMathPara>
-                </a14:m>
-                <a:endParaRPr lang="en-CA" dirty="0">
+                <a:r>
+                  <a:rPr lang="en-CA" dirty="0" smtClean="0">
+                    <a:effectLst/>
+                  </a:rPr>
+                  <a:t>The </a:t>
+                </a:r>
+                <a:r>
+                  <a:rPr lang="en-CA" i="1" dirty="0">
+                    <a:effectLst/>
+                  </a:rPr>
+                  <a:t>equation</a:t>
+                </a:r>
+                <a:r>
+                  <a:rPr lang="en-CA" dirty="0">
+                    <a:effectLst/>
+                  </a:rPr>
+                  <a:t>, used in the first mathematical model, is a </a:t>
+                </a:r>
+                <a:r>
+                  <a:rPr lang="en-CA" i="1" dirty="0">
+                    <a:effectLst/>
+                  </a:rPr>
+                  <a:t>modified version</a:t>
+                </a:r>
+                <a:r>
+                  <a:rPr lang="en-CA" dirty="0">
+                    <a:effectLst/>
+                  </a:rPr>
+                  <a:t>, of the competitive </a:t>
+                </a:r>
+                <a:r>
+                  <a:rPr lang="en-CA" dirty="0" err="1">
+                    <a:effectLst/>
+                  </a:rPr>
+                  <a:t>Lotka-Volterra</a:t>
+                </a:r>
+                <a:r>
+                  <a:rPr lang="en-CA" dirty="0">
+                    <a:effectLst/>
+                  </a:rPr>
+                  <a:t> model. </a:t>
+                </a:r>
+                <a:endParaRPr lang="nl-NL" dirty="0">
                   <a:effectLst/>
                 </a:endParaRPr>
               </a:p>
@@ -29685,32 +29429,9 @@
                 <a:pPr marL="0" indent="0">
                   <a:buNone/>
                 </a:pPr>
-                <a:r>
-                  <a:rPr lang="en-GB" i="1" dirty="0">
-                    <a:effectLst/>
-                  </a:rPr>
-                  <a:t>A Modified version</a:t>
-                </a:r>
-                <a:r>
-                  <a:rPr lang="en-GB" dirty="0">
-                    <a:effectLst/>
-                  </a:rPr>
-                  <a:t> of the equation of competitive </a:t>
-                </a:r>
-                <a:r>
-                  <a:rPr lang="en-GB" dirty="0" err="1">
-                    <a:effectLst/>
-                  </a:rPr>
-                  <a:t>Lotka-Volterra</a:t>
-                </a:r>
-                <a:r>
-                  <a:rPr lang="en-GB" dirty="0">
-                    <a:effectLst/>
-                  </a:rPr>
-                  <a:t> model, for N species.</a:t>
-                </a:r>
-                <a:endParaRPr lang="en-CA" dirty="0">
+                <a:endParaRPr lang="en-CA" i="1" dirty="0" smtClean="0">
                   <a:effectLst/>
+                  <a:latin typeface="Cambria Math"/>
                 </a:endParaRPr>
               </a:p>
               <a:p>
@@ -29991,31 +29712,6 @@
                           </m:f>
                         </m:e>
                       </m:d>
-                      <m:r>
-                        <a:rPr lang="en-GB" i="1">
-                          <a:effectLst/>
-                          <a:latin typeface="Cambria Math"/>
-                        </a:rPr>
-                        <m:t> </m:t>
-                      </m:r>
-                      <m:r>
-                        <m:rPr>
-                          <m:nor/>
-                        </m:rPr>
-                        <a:rPr lang="en-GB">
-                          <a:effectLst/>
-                        </a:rPr>
-                        <m:t>Equation</m:t>
-                      </m:r>
-                      <m:r>
-                        <m:rPr>
-                          <m:nor/>
-                        </m:rPr>
-                        <a:rPr lang="en-GB">
-                          <a:effectLst/>
-                        </a:rPr>
-                        <m:t> 1.2</m:t>
-                      </m:r>
                     </m:oMath>
                   </m:oMathPara>
                 </a14:m>
@@ -30024,27 +29720,11 @@
                 </a:endParaRPr>
               </a:p>
               <a:p>
-                <a:pPr marL="0" indent="0">
-                  <a:buNone/>
-                </a:pPr>
-                <a:r>
-                  <a:rPr lang="en-GB" dirty="0">
-                    <a:effectLst/>
-                  </a:rPr>
-                  <a:t>	Competitive </a:t>
-                </a:r>
-                <a:r>
-                  <a:rPr lang="en-GB" dirty="0" err="1">
-                    <a:effectLst/>
-                  </a:rPr>
-                  <a:t>Lotka-Volterra</a:t>
-                </a:r>
-                <a:r>
-                  <a:rPr lang="en-GB" dirty="0">
-                    <a:effectLst/>
-                  </a:rPr>
-                  <a:t> model, for N species.</a:t>
-                </a:r>
+                <a:endParaRPr lang="en-CA" dirty="0" smtClean="0">
+                  <a:effectLst/>
+                </a:endParaRPr>
+              </a:p>
+              <a:p>
                 <a:endParaRPr lang="en-CA" dirty="0">
                   <a:effectLst/>
                 </a:endParaRPr>
@@ -30058,7 +29738,7 @@
             </p:txBody>
           </p:sp>
         </mc:Choice>
-        <mc:Fallback xmlns="">
+        <mc:Fallback>
           <p:sp>
             <p:nvSpPr>
               <p:cNvPr id="3" name="Content Placeholder 2"/>
@@ -30070,10 +29750,10 @@
               </p:nvPr>
             </p:nvSpPr>
             <p:spPr>
-              <a:blipFill rotWithShape="0">
+              <a:blipFill rotWithShape="1">
                 <a:blip r:embed="rId2"/>
                 <a:stretch>
-                  <a:fillRect l="-1067"/>
+                  <a:fillRect l="-1067" t="-2035"/>
                 </a:stretch>
               </a:blipFill>
             </p:spPr>
@@ -30082,7 +29762,7 @@
               <a:lstStyle/>
               <a:p>
                 <a:r>
-                  <a:rPr lang="en-CA">
+                  <a:rPr lang="nl-NL">
                     <a:noFill/>
                   </a:rPr>
                   <a:t> </a:t>
@@ -30092,6 +29772,234 @@
           </p:sp>
         </mc:Fallback>
       </mc:AlternateContent>
+      <mc:AlternateContent xmlns:mc="http://schemas.openxmlformats.org/markup-compatibility/2006">
+        <mc:Choice xmlns:a14="http://schemas.microsoft.com/office/drawing/2010/main" Requires="a14">
+          <p:sp>
+            <p:nvSpPr>
+              <p:cNvPr id="5" name="Rectangle 4"/>
+              <p:cNvSpPr/>
+              <p:nvPr/>
+            </p:nvSpPr>
+            <p:spPr>
+              <a:xfrm>
+                <a:off x="6382444" y="3429000"/>
+                <a:ext cx="685127" cy="461665"/>
+              </a:xfrm>
+              <a:prstGeom prst="rect">
+                <a:avLst/>
+              </a:prstGeom>
+            </p:spPr>
+            <p:txBody>
+              <a:bodyPr wrap="square">
+                <a:spAutoFit/>
+              </a:bodyPr>
+              <a:lstStyle/>
+              <a:p>
+                <a14:m>
+                  <m:oMathPara xmlns:m="http://schemas.openxmlformats.org/officeDocument/2006/math">
+                    <m:oMathParaPr>
+                      <m:jc m:val="centerGroup"/>
+                    </m:oMathParaPr>
+                    <m:oMath xmlns:m="http://schemas.openxmlformats.org/officeDocument/2006/math">
+                      <m:r>
+                        <a:rPr lang="en-GB" sz="2400" i="1">
+                          <a:latin typeface="Cambria Math"/>
+                        </a:rPr>
+                        <m:t>𝐺</m:t>
+                      </m:r>
+                    </m:oMath>
+                  </m:oMathPara>
+                </a14:m>
+                <a:endParaRPr lang="nl-NL" sz="2400" dirty="0"/>
+              </a:p>
+            </p:txBody>
+          </p:sp>
+        </mc:Choice>
+        <mc:Fallback>
+          <p:sp>
+            <p:nvSpPr>
+              <p:cNvPr id="5" name="Rectangle 4"/>
+              <p:cNvSpPr>
+                <a:spLocks noRot="1" noChangeAspect="1" noMove="1" noResize="1" noEditPoints="1" noAdjustHandles="1" noChangeArrowheads="1" noChangeShapeType="1" noTextEdit="1"/>
+              </p:cNvSpPr>
+              <p:nvPr/>
+            </p:nvSpPr>
+            <p:spPr>
+              <a:xfrm>
+                <a:off x="6382444" y="3429000"/>
+                <a:ext cx="685127" cy="461665"/>
+              </a:xfrm>
+              <a:prstGeom prst="rect">
+                <a:avLst/>
+              </a:prstGeom>
+              <a:blipFill rotWithShape="1">
+                <a:blip r:embed="rId3"/>
+                <a:stretch>
+                  <a:fillRect/>
+                </a:stretch>
+              </a:blipFill>
+            </p:spPr>
+            <p:txBody>
+              <a:bodyPr/>
+              <a:lstStyle/>
+              <a:p>
+                <a:r>
+                  <a:rPr lang="nl-NL">
+                    <a:noFill/>
+                  </a:rPr>
+                  <a:t> </a:t>
+                </a:r>
+              </a:p>
+            </p:txBody>
+          </p:sp>
+        </mc:Fallback>
+      </mc:AlternateContent>
+      <p:sp>
+        <p:nvSpPr>
+          <p:cNvPr id="6" name="Rectangle 5"/>
+          <p:cNvSpPr/>
+          <p:nvPr/>
+        </p:nvSpPr>
+        <p:spPr>
+          <a:xfrm>
+            <a:off x="2827292" y="4005064"/>
+            <a:ext cx="5962338" cy="369332"/>
+          </a:xfrm>
+          <a:prstGeom prst="rect">
+            <a:avLst/>
+          </a:prstGeom>
+        </p:spPr>
+        <p:txBody>
+          <a:bodyPr wrap="none">
+            <a:spAutoFit/>
+          </a:bodyPr>
+          <a:lstStyle/>
+          <a:p>
+            <a:r>
+              <a:rPr lang="en-GB" dirty="0"/>
+              <a:t>	Competitive </a:t>
+            </a:r>
+            <a:r>
+              <a:rPr lang="en-GB" dirty="0" err="1"/>
+              <a:t>Lotka-Volterra</a:t>
+            </a:r>
+            <a:r>
+              <a:rPr lang="en-GB" dirty="0"/>
+              <a:t> model, for N species.</a:t>
+            </a:r>
+            <a:endParaRPr lang="en-CA" dirty="0"/>
+          </a:p>
+        </p:txBody>
+      </p:sp>
+      <p:sp>
+        <p:nvSpPr>
+          <p:cNvPr id="7" name="Rectangle 6"/>
+          <p:cNvSpPr/>
+          <p:nvPr/>
+        </p:nvSpPr>
+        <p:spPr>
+          <a:xfrm>
+            <a:off x="1701924" y="4051230"/>
+            <a:ext cx="8640960" cy="2031325"/>
+          </a:xfrm>
+          <a:prstGeom prst="rect">
+            <a:avLst/>
+          </a:prstGeom>
+        </p:spPr>
+        <p:txBody>
+          <a:bodyPr wrap="square">
+            <a:spAutoFit/>
+          </a:bodyPr>
+          <a:lstStyle/>
+          <a:p>
+            <a:pPr algn="ctr"/>
+            <a:r>
+              <a:rPr lang="en-GB" i="1" dirty="0"/>
+              <a:t>A Modified version</a:t>
+            </a:r>
+            <a:r>
+              <a:rPr lang="en-GB" dirty="0"/>
+              <a:t> of the equation of competitive </a:t>
+            </a:r>
+            <a:r>
+              <a:rPr lang="en-GB" dirty="0" err="1"/>
+              <a:t>Lotka-Volterra</a:t>
+            </a:r>
+            <a:r>
+              <a:rPr lang="en-GB" dirty="0"/>
+              <a:t> model, for N species</a:t>
+            </a:r>
+            <a:r>
+              <a:rPr lang="en-GB" dirty="0" smtClean="0"/>
+              <a:t>.</a:t>
+            </a:r>
+          </a:p>
+          <a:p>
+            <a:pPr algn="ctr"/>
+            <a:endParaRPr lang="en-GB" dirty="0"/>
+          </a:p>
+          <a:p>
+            <a:pPr algn="ctr"/>
+            <a:r>
+              <a:rPr lang="en-CA" dirty="0"/>
+              <a:t>The </a:t>
+            </a:r>
+            <a:r>
+              <a:rPr lang="en-CA" i="1" dirty="0"/>
+              <a:t>modification</a:t>
+            </a:r>
+            <a:r>
+              <a:rPr lang="en-CA" dirty="0"/>
+              <a:t> made to the model was the introduction of an extra variable, G, which measures the grass availability. </a:t>
+            </a:r>
+            <a:endParaRPr lang="nl-NL" dirty="0"/>
+          </a:p>
+          <a:p>
+            <a:pPr algn="ctr"/>
+            <a:r>
+              <a:rPr lang="en-CA" dirty="0"/>
+              <a:t>This model calculates the </a:t>
+            </a:r>
+            <a:r>
+              <a:rPr lang="en-CA" i="1" dirty="0"/>
+              <a:t>population growth rate</a:t>
+            </a:r>
+            <a:r>
+              <a:rPr lang="en-CA" dirty="0"/>
+              <a:t> of a specific species, given the specific species’</a:t>
+            </a:r>
+            <a:r>
+              <a:rPr lang="en-CA" i="1" dirty="0"/>
+              <a:t> grass availability</a:t>
+            </a:r>
+            <a:r>
+              <a:rPr lang="en-CA" dirty="0"/>
+              <a:t>, </a:t>
+            </a:r>
+            <a:r>
+              <a:rPr lang="en-CA" i="1" dirty="0"/>
+              <a:t>intrinsic rate of increase</a:t>
+            </a:r>
+            <a:r>
+              <a:rPr lang="en-CA" dirty="0"/>
+              <a:t>, </a:t>
+            </a:r>
+            <a:r>
+              <a:rPr lang="en-CA" i="1" dirty="0"/>
+              <a:t>carrying capacity</a:t>
+            </a:r>
+            <a:r>
+              <a:rPr lang="en-CA" dirty="0"/>
+              <a:t>, competing species’ population and their competition coefficients</a:t>
+            </a:r>
+            <a:r>
+              <a:rPr lang="en-CA" dirty="0" smtClean="0"/>
+              <a:t>.</a:t>
+            </a:r>
+            <a:endParaRPr lang="nl-NL" dirty="0"/>
+          </a:p>
+        </p:txBody>
+      </p:sp>
     </p:spTree>
     <p:extLst>
       <p:ext uri="{BB962C8B-B14F-4D97-AF65-F5344CB8AC3E}">
@@ -30117,9 +30025,449 @@
   <p:timing>
     <p:tnLst>
       <p:par>
-        <p:cTn id="1" dur="indefinite" restart="never" nodeType="tmRoot"/>
+        <p:cTn id="1" dur="indefinite" restart="never" nodeType="tmRoot">
+          <p:childTnLst>
+            <p:seq concurrent="1" nextAc="seek">
+              <p:cTn id="2" dur="indefinite" nodeType="mainSeq">
+                <p:childTnLst>
+                  <p:par>
+                    <p:cTn id="3" fill="hold">
+                      <p:stCondLst>
+                        <p:cond delay="indefinite"/>
+                      </p:stCondLst>
+                      <p:childTnLst>
+                        <p:par>
+                          <p:cTn id="4" fill="hold">
+                            <p:stCondLst>
+                              <p:cond delay="0"/>
+                            </p:stCondLst>
+                            <p:childTnLst>
+                              <p:par>
+                                <p:cTn id="5" presetID="26" presetClass="entr" presetSubtype="0" fill="hold" grpId="0" nodeType="clickEffect">
+                                  <p:stCondLst>
+                                    <p:cond delay="0"/>
+                                  </p:stCondLst>
+                                  <p:childTnLst>
+                                    <p:set>
+                                      <p:cBhvr>
+                                        <p:cTn id="6" dur="1" fill="hold">
+                                          <p:stCondLst>
+                                            <p:cond delay="0"/>
+                                          </p:stCondLst>
+                                        </p:cTn>
+                                        <p:tgtEl>
+                                          <p:spTgt spid="5"/>
+                                        </p:tgtEl>
+                                        <p:attrNameLst>
+                                          <p:attrName>style.visibility</p:attrName>
+                                        </p:attrNameLst>
+                                      </p:cBhvr>
+                                      <p:to>
+                                        <p:strVal val="visible"/>
+                                      </p:to>
+                                    </p:set>
+                                    <p:animEffect transition="in" filter="wipe(down)">
+                                      <p:cBhvr>
+                                        <p:cTn id="7" dur="580">
+                                          <p:stCondLst>
+                                            <p:cond delay="0"/>
+                                          </p:stCondLst>
+                                        </p:cTn>
+                                        <p:tgtEl>
+                                          <p:spTgt spid="5"/>
+                                        </p:tgtEl>
+                                      </p:cBhvr>
+                                    </p:animEffect>
+                                    <p:anim calcmode="lin" valueType="num">
+                                      <p:cBhvr>
+                                        <p:cTn id="8" dur="1822" tmFilter="0,0; 0.14,0.36; 0.43,0.73; 0.71,0.91; 1.0,1.0">
+                                          <p:stCondLst>
+                                            <p:cond delay="0"/>
+                                          </p:stCondLst>
+                                        </p:cTn>
+                                        <p:tgtEl>
+                                          <p:spTgt spid="5"/>
+                                        </p:tgtEl>
+                                        <p:attrNameLst>
+                                          <p:attrName>ppt_x</p:attrName>
+                                        </p:attrNameLst>
+                                      </p:cBhvr>
+                                      <p:tavLst>
+                                        <p:tav tm="0">
+                                          <p:val>
+                                            <p:strVal val="#ppt_x-0.25"/>
+                                          </p:val>
+                                        </p:tav>
+                                        <p:tav tm="100000">
+                                          <p:val>
+                                            <p:strVal val="#ppt_x"/>
+                                          </p:val>
+                                        </p:tav>
+                                      </p:tavLst>
+                                    </p:anim>
+                                    <p:anim calcmode="lin" valueType="num">
+                                      <p:cBhvr>
+                                        <p:cTn id="9" dur="664" tmFilter="0.0,0.0; 0.25,0.07; 0.50,0.2; 0.75,0.467; 1.0,1.0">
+                                          <p:stCondLst>
+                                            <p:cond delay="0"/>
+                                          </p:stCondLst>
+                                        </p:cTn>
+                                        <p:tgtEl>
+                                          <p:spTgt spid="5"/>
+                                        </p:tgtEl>
+                                        <p:attrNameLst>
+                                          <p:attrName>ppt_y</p:attrName>
+                                        </p:attrNameLst>
+                                      </p:cBhvr>
+                                      <p:tavLst>
+                                        <p:tav tm="0" fmla="#ppt_y-sin(pi*$)/3">
+                                          <p:val>
+                                            <p:fltVal val="0.5"/>
+                                          </p:val>
+                                        </p:tav>
+                                        <p:tav tm="100000">
+                                          <p:val>
+                                            <p:fltVal val="1"/>
+                                          </p:val>
+                                        </p:tav>
+                                      </p:tavLst>
+                                    </p:anim>
+                                    <p:anim calcmode="lin" valueType="num">
+                                      <p:cBhvr>
+                                        <p:cTn id="10" dur="664" tmFilter="0, 0; 0.125,0.2665; 0.25,0.4; 0.375,0.465; 0.5,0.5;  0.625,0.535; 0.75,0.6; 0.875,0.7335; 1,1">
+                                          <p:stCondLst>
+                                            <p:cond delay="664"/>
+                                          </p:stCondLst>
+                                        </p:cTn>
+                                        <p:tgtEl>
+                                          <p:spTgt spid="5"/>
+                                        </p:tgtEl>
+                                        <p:attrNameLst>
+                                          <p:attrName>ppt_y</p:attrName>
+                                        </p:attrNameLst>
+                                      </p:cBhvr>
+                                      <p:tavLst>
+                                        <p:tav tm="0" fmla="#ppt_y-sin(pi*$)/9">
+                                          <p:val>
+                                            <p:fltVal val="0"/>
+                                          </p:val>
+                                        </p:tav>
+                                        <p:tav tm="100000">
+                                          <p:val>
+                                            <p:fltVal val="1"/>
+                                          </p:val>
+                                        </p:tav>
+                                      </p:tavLst>
+                                    </p:anim>
+                                    <p:anim calcmode="lin" valueType="num">
+                                      <p:cBhvr>
+                                        <p:cTn id="11" dur="332" tmFilter="0, 0; 0.125,0.2665; 0.25,0.4; 0.375,0.465; 0.5,0.5;  0.625,0.535; 0.75,0.6; 0.875,0.7335; 1,1">
+                                          <p:stCondLst>
+                                            <p:cond delay="1324"/>
+                                          </p:stCondLst>
+                                        </p:cTn>
+                                        <p:tgtEl>
+                                          <p:spTgt spid="5"/>
+                                        </p:tgtEl>
+                                        <p:attrNameLst>
+                                          <p:attrName>ppt_y</p:attrName>
+                                        </p:attrNameLst>
+                                      </p:cBhvr>
+                                      <p:tavLst>
+                                        <p:tav tm="0" fmla="#ppt_y-sin(pi*$)/27">
+                                          <p:val>
+                                            <p:fltVal val="0"/>
+                                          </p:val>
+                                        </p:tav>
+                                        <p:tav tm="100000">
+                                          <p:val>
+                                            <p:fltVal val="1"/>
+                                          </p:val>
+                                        </p:tav>
+                                      </p:tavLst>
+                                    </p:anim>
+                                    <p:anim calcmode="lin" valueType="num">
+                                      <p:cBhvr>
+                                        <p:cTn id="12" dur="164" tmFilter="0, 0; 0.125,0.2665; 0.25,0.4; 0.375,0.465; 0.5,0.5;  0.625,0.535; 0.75,0.6; 0.875,0.7335; 1,1">
+                                          <p:stCondLst>
+                                            <p:cond delay="1656"/>
+                                          </p:stCondLst>
+                                        </p:cTn>
+                                        <p:tgtEl>
+                                          <p:spTgt spid="5"/>
+                                        </p:tgtEl>
+                                        <p:attrNameLst>
+                                          <p:attrName>ppt_y</p:attrName>
+                                        </p:attrNameLst>
+                                      </p:cBhvr>
+                                      <p:tavLst>
+                                        <p:tav tm="0" fmla="#ppt_y-sin(pi*$)/81">
+                                          <p:val>
+                                            <p:fltVal val="0"/>
+                                          </p:val>
+                                        </p:tav>
+                                        <p:tav tm="100000">
+                                          <p:val>
+                                            <p:fltVal val="1"/>
+                                          </p:val>
+                                        </p:tav>
+                                      </p:tavLst>
+                                    </p:anim>
+                                    <p:animScale>
+                                      <p:cBhvr>
+                                        <p:cTn id="13" dur="26">
+                                          <p:stCondLst>
+                                            <p:cond delay="650"/>
+                                          </p:stCondLst>
+                                        </p:cTn>
+                                        <p:tgtEl>
+                                          <p:spTgt spid="5"/>
+                                        </p:tgtEl>
+                                      </p:cBhvr>
+                                      <p:to x="100000" y="60000"/>
+                                    </p:animScale>
+                                    <p:animScale>
+                                      <p:cBhvr>
+                                        <p:cTn id="14" dur="166" decel="50000">
+                                          <p:stCondLst>
+                                            <p:cond delay="676"/>
+                                          </p:stCondLst>
+                                        </p:cTn>
+                                        <p:tgtEl>
+                                          <p:spTgt spid="5"/>
+                                        </p:tgtEl>
+                                      </p:cBhvr>
+                                      <p:to x="100000" y="100000"/>
+                                    </p:animScale>
+                                    <p:animScale>
+                                      <p:cBhvr>
+                                        <p:cTn id="15" dur="26">
+                                          <p:stCondLst>
+                                            <p:cond delay="1312"/>
+                                          </p:stCondLst>
+                                        </p:cTn>
+                                        <p:tgtEl>
+                                          <p:spTgt spid="5"/>
+                                        </p:tgtEl>
+                                      </p:cBhvr>
+                                      <p:to x="100000" y="80000"/>
+                                    </p:animScale>
+                                    <p:animScale>
+                                      <p:cBhvr>
+                                        <p:cTn id="16" dur="166" decel="50000">
+                                          <p:stCondLst>
+                                            <p:cond delay="1338"/>
+                                          </p:stCondLst>
+                                        </p:cTn>
+                                        <p:tgtEl>
+                                          <p:spTgt spid="5"/>
+                                        </p:tgtEl>
+                                      </p:cBhvr>
+                                      <p:to x="100000" y="100000"/>
+                                    </p:animScale>
+                                    <p:animScale>
+                                      <p:cBhvr>
+                                        <p:cTn id="17" dur="26">
+                                          <p:stCondLst>
+                                            <p:cond delay="1642"/>
+                                          </p:stCondLst>
+                                        </p:cTn>
+                                        <p:tgtEl>
+                                          <p:spTgt spid="5"/>
+                                        </p:tgtEl>
+                                      </p:cBhvr>
+                                      <p:to x="100000" y="90000"/>
+                                    </p:animScale>
+                                    <p:animScale>
+                                      <p:cBhvr>
+                                        <p:cTn id="18" dur="166" decel="50000">
+                                          <p:stCondLst>
+                                            <p:cond delay="1668"/>
+                                          </p:stCondLst>
+                                        </p:cTn>
+                                        <p:tgtEl>
+                                          <p:spTgt spid="5"/>
+                                        </p:tgtEl>
+                                      </p:cBhvr>
+                                      <p:to x="100000" y="100000"/>
+                                    </p:animScale>
+                                    <p:animScale>
+                                      <p:cBhvr>
+                                        <p:cTn id="19" dur="26">
+                                          <p:stCondLst>
+                                            <p:cond delay="1808"/>
+                                          </p:stCondLst>
+                                        </p:cTn>
+                                        <p:tgtEl>
+                                          <p:spTgt spid="5"/>
+                                        </p:tgtEl>
+                                      </p:cBhvr>
+                                      <p:to x="100000" y="95000"/>
+                                    </p:animScale>
+                                    <p:animScale>
+                                      <p:cBhvr>
+                                        <p:cTn id="20" dur="166" decel="50000">
+                                          <p:stCondLst>
+                                            <p:cond delay="1834"/>
+                                          </p:stCondLst>
+                                        </p:cTn>
+                                        <p:tgtEl>
+                                          <p:spTgt spid="5"/>
+                                        </p:tgtEl>
+                                      </p:cBhvr>
+                                      <p:to x="100000" y="100000"/>
+                                    </p:animScale>
+                                  </p:childTnLst>
+                                </p:cTn>
+                              </p:par>
+                              <p:par>
+                                <p:cTn id="21" presetID="10" presetClass="exit" presetSubtype="0" fill="hold" grpId="0" nodeType="withEffect">
+                                  <p:stCondLst>
+                                    <p:cond delay="0"/>
+                                  </p:stCondLst>
+                                  <p:childTnLst>
+                                    <p:animEffect transition="out" filter="fade">
+                                      <p:cBhvr>
+                                        <p:cTn id="22" dur="500"/>
+                                        <p:tgtEl>
+                                          <p:spTgt spid="6"/>
+                                        </p:tgtEl>
+                                      </p:cBhvr>
+                                    </p:animEffect>
+                                    <p:set>
+                                      <p:cBhvr>
+                                        <p:cTn id="23" dur="1" fill="hold">
+                                          <p:stCondLst>
+                                            <p:cond delay="499"/>
+                                          </p:stCondLst>
+                                        </p:cTn>
+                                        <p:tgtEl>
+                                          <p:spTgt spid="6"/>
+                                        </p:tgtEl>
+                                        <p:attrNameLst>
+                                          <p:attrName>style.visibility</p:attrName>
+                                        </p:attrNameLst>
+                                      </p:cBhvr>
+                                      <p:to>
+                                        <p:strVal val="hidden"/>
+                                      </p:to>
+                                    </p:set>
+                                  </p:childTnLst>
+                                </p:cTn>
+                              </p:par>
+                              <p:par>
+                                <p:cTn id="24" presetID="53" presetClass="entr" presetSubtype="16" fill="hold" grpId="0" nodeType="withEffect">
+                                  <p:stCondLst>
+                                    <p:cond delay="0"/>
+                                  </p:stCondLst>
+                                  <p:childTnLst>
+                                    <p:set>
+                                      <p:cBhvr>
+                                        <p:cTn id="25" dur="1" fill="hold">
+                                          <p:stCondLst>
+                                            <p:cond delay="0"/>
+                                          </p:stCondLst>
+                                        </p:cTn>
+                                        <p:tgtEl>
+                                          <p:spTgt spid="7"/>
+                                        </p:tgtEl>
+                                        <p:attrNameLst>
+                                          <p:attrName>style.visibility</p:attrName>
+                                        </p:attrNameLst>
+                                      </p:cBhvr>
+                                      <p:to>
+                                        <p:strVal val="visible"/>
+                                      </p:to>
+                                    </p:set>
+                                    <p:anim calcmode="lin" valueType="num">
+                                      <p:cBhvr>
+                                        <p:cTn id="26" dur="500" fill="hold"/>
+                                        <p:tgtEl>
+                                          <p:spTgt spid="7"/>
+                                        </p:tgtEl>
+                                        <p:attrNameLst>
+                                          <p:attrName>ppt_w</p:attrName>
+                                        </p:attrNameLst>
+                                      </p:cBhvr>
+                                      <p:tavLst>
+                                        <p:tav tm="0">
+                                          <p:val>
+                                            <p:fltVal val="0"/>
+                                          </p:val>
+                                        </p:tav>
+                                        <p:tav tm="100000">
+                                          <p:val>
+                                            <p:strVal val="#ppt_w"/>
+                                          </p:val>
+                                        </p:tav>
+                                      </p:tavLst>
+                                    </p:anim>
+                                    <p:anim calcmode="lin" valueType="num">
+                                      <p:cBhvr>
+                                        <p:cTn id="27" dur="500" fill="hold"/>
+                                        <p:tgtEl>
+                                          <p:spTgt spid="7"/>
+                                        </p:tgtEl>
+                                        <p:attrNameLst>
+                                          <p:attrName>ppt_h</p:attrName>
+                                        </p:attrNameLst>
+                                      </p:cBhvr>
+                                      <p:tavLst>
+                                        <p:tav tm="0">
+                                          <p:val>
+                                            <p:fltVal val="0"/>
+                                          </p:val>
+                                        </p:tav>
+                                        <p:tav tm="100000">
+                                          <p:val>
+                                            <p:strVal val="#ppt_h"/>
+                                          </p:val>
+                                        </p:tav>
+                                      </p:tavLst>
+                                    </p:anim>
+                                    <p:animEffect transition="in" filter="fade">
+                                      <p:cBhvr>
+                                        <p:cTn id="28" dur="500"/>
+                                        <p:tgtEl>
+                                          <p:spTgt spid="7"/>
+                                        </p:tgtEl>
+                                      </p:cBhvr>
+                                    </p:animEffect>
+                                  </p:childTnLst>
+                                </p:cTn>
+                              </p:par>
+                            </p:childTnLst>
+                          </p:cTn>
+                        </p:par>
+                      </p:childTnLst>
+                    </p:cTn>
+                  </p:par>
+                </p:childTnLst>
+              </p:cTn>
+              <p:prevCondLst>
+                <p:cond evt="onPrev" delay="0">
+                  <p:tgtEl>
+                    <p:sldTgt/>
+                  </p:tgtEl>
+                </p:cond>
+              </p:prevCondLst>
+              <p:nextCondLst>
+                <p:cond evt="onNext" delay="0">
+                  <p:tgtEl>
+                    <p:sldTgt/>
+                  </p:tgtEl>
+                </p:cond>
+              </p:nextCondLst>
+            </p:seq>
+          </p:childTnLst>
+        </p:cTn>
       </p:par>
     </p:tnLst>
+    <p:bldLst>
+      <p:bldP spid="5" grpId="0"/>
+      <p:bldP spid="6" grpId="0"/>
+      <p:bldP spid="7" grpId="0"/>
+    </p:bldLst>
   </p:timing>
 </p:sld>
 </file>
@@ -30158,39 +30506,436 @@
           <a:p>
             <a:r>
               <a:rPr lang="en-CA" dirty="0" smtClean="0"/>
-              <a:t>3. Software </a:t>
+              <a:t>2. Mathematical </a:t>
             </a:r>
             <a:r>
-              <a:rPr lang="en-CA" dirty="0" smtClean="0"/>
-              <a:t>Development</a:t>
+              <a:rPr lang="en-CA" dirty="0"/>
+              <a:t>Models and Equations</a:t>
             </a:r>
-            <a:endParaRPr lang="en-CA" dirty="0"/>
           </a:p>
         </p:txBody>
       </p:sp>
-      <p:sp>
-        <p:nvSpPr>
-          <p:cNvPr id="3" name="Content Placeholder 2"/>
-          <p:cNvSpPr>
-            <a:spLocks noGrp="1"/>
-          </p:cNvSpPr>
-          <p:nvPr>
-            <p:ph idx="1"/>
-          </p:nvPr>
-        </p:nvSpPr>
-        <p:spPr/>
-        <p:txBody>
-          <a:bodyPr/>
-          <a:lstStyle/>
-          <a:p>
-            <a:endParaRPr lang="en-CA"/>
-          </a:p>
-        </p:txBody>
-      </p:sp>
+      <mc:AlternateContent xmlns:mc="http://schemas.openxmlformats.org/markup-compatibility/2006">
+        <mc:Choice xmlns:a14="http://schemas.microsoft.com/office/drawing/2010/main" Requires="a14">
+          <p:sp>
+            <p:nvSpPr>
+              <p:cNvPr id="4" name="Content Placeholder 3"/>
+              <p:cNvSpPr>
+                <a:spLocks noGrp="1"/>
+              </p:cNvSpPr>
+              <p:nvPr>
+                <p:ph idx="1"/>
+              </p:nvPr>
+            </p:nvSpPr>
+            <p:spPr>
+              <a:xfrm>
+                <a:off x="1522412" y="1828800"/>
+                <a:ext cx="10260632" cy="4191000"/>
+              </a:xfrm>
+            </p:spPr>
+            <p:txBody>
+              <a:bodyPr/>
+              <a:lstStyle/>
+              <a:p>
+                <a:pPr marL="0" indent="0">
+                  <a:buNone/>
+                </a:pPr>
+                <a:r>
+                  <a:rPr lang="en-CA" dirty="0">
+                    <a:effectLst/>
+                  </a:rPr>
+                  <a:t>A second mathematical model was developed, to calculate the total grass consumption for each animal’s specie</a:t>
+                </a:r>
+                <a:r>
+                  <a:rPr lang="en-CA" dirty="0" smtClean="0">
+                    <a:effectLst/>
+                  </a:rPr>
+                  <a:t>.</a:t>
+                </a:r>
+              </a:p>
+              <a:p>
+                <a:pPr marL="0" indent="0">
+                  <a:buNone/>
+                </a:pPr>
+                <a:endParaRPr lang="en-GB" dirty="0" smtClean="0">
+                  <a:effectLst/>
+                </a:endParaRPr>
+              </a:p>
+              <a:p>
+                <a:pPr marL="0" indent="0">
+                  <a:buNone/>
+                </a:pPr>
+                <a14:m>
+                  <m:oMathPara xmlns:m="http://schemas.openxmlformats.org/officeDocument/2006/math">
+                    <m:oMathParaPr>
+                      <m:jc m:val="centerGroup"/>
+                    </m:oMathParaPr>
+                    <m:oMath xmlns:m="http://schemas.openxmlformats.org/officeDocument/2006/math">
+                      <m:r>
+                        <m:rPr>
+                          <m:sty m:val="p"/>
+                        </m:rPr>
+                        <a:rPr lang="en-GB">
+                          <a:effectLst/>
+                        </a:rPr>
+                        <m:t>Amount</m:t>
+                      </m:r>
+                      <m:r>
+                        <a:rPr lang="en-GB">
+                          <a:effectLst/>
+                        </a:rPr>
+                        <m:t> </m:t>
+                      </m:r>
+                      <m:r>
+                        <m:rPr>
+                          <m:sty m:val="p"/>
+                        </m:rPr>
+                        <a:rPr lang="en-GB">
+                          <a:effectLst/>
+                        </a:rPr>
+                        <m:t>of</m:t>
+                      </m:r>
+                      <m:f>
+                        <m:fPr>
+                          <m:type m:val="lin"/>
+                          <m:ctrlPr>
+                            <a:rPr lang="nl-NL" i="1">
+                              <a:effectLst/>
+                            </a:rPr>
+                          </m:ctrlPr>
+                        </m:fPr>
+                        <m:num>
+                          <m:f>
+                            <m:fPr>
+                              <m:type m:val="lin"/>
+                              <m:ctrlPr>
+                                <a:rPr lang="nl-NL" i="1">
+                                  <a:effectLst/>
+                                </a:rPr>
+                              </m:ctrlPr>
+                            </m:fPr>
+                            <m:num>
+                              <m:r>
+                                <m:rPr>
+                                  <m:sty m:val="p"/>
+                                </m:rPr>
+                                <a:rPr lang="en-GB">
+                                  <a:effectLst/>
+                                </a:rPr>
+                                <m:t>cows</m:t>
+                              </m:r>
+                            </m:num>
+                            <m:den>
+                              <m:r>
+                                <m:rPr>
+                                  <m:sty m:val="p"/>
+                                </m:rPr>
+                                <a:rPr lang="en-GB">
+                                  <a:effectLst/>
+                                </a:rPr>
+                                <m:t>deer</m:t>
+                              </m:r>
+                            </m:den>
+                          </m:f>
+                        </m:num>
+                        <m:den>
+                          <m:r>
+                            <a:rPr lang="en-GB" i="1">
+                              <a:effectLst/>
+                            </a:rPr>
+                            <m:t> </m:t>
+                          </m:r>
+                          <m:r>
+                            <m:rPr>
+                              <m:sty m:val="p"/>
+                            </m:rPr>
+                            <a:rPr lang="en-GB">
+                              <a:effectLst/>
+                            </a:rPr>
+                            <m:t>horses</m:t>
+                          </m:r>
+                        </m:den>
+                      </m:f>
+                      <m:r>
+                        <a:rPr lang="en-GB" i="1">
+                          <a:effectLst/>
+                        </a:rPr>
+                        <m:t>∗</m:t>
+                      </m:r>
+                      <m:r>
+                        <a:rPr lang="en-GB">
+                          <a:effectLst/>
+                        </a:rPr>
+                        <m:t> </m:t>
+                      </m:r>
+                      <m:r>
+                        <m:rPr>
+                          <m:sty m:val="p"/>
+                        </m:rPr>
+                        <a:rPr lang="en-GB">
+                          <a:effectLst/>
+                        </a:rPr>
+                        <m:t>consumption</m:t>
+                      </m:r>
+                      <m:r>
+                        <a:rPr lang="en-GB">
+                          <a:effectLst/>
+                        </a:rPr>
+                        <m:t> </m:t>
+                      </m:r>
+                      <m:r>
+                        <m:rPr>
+                          <m:sty m:val="p"/>
+                        </m:rPr>
+                        <a:rPr lang="en-GB">
+                          <a:effectLst/>
+                        </a:rPr>
+                        <m:t>each</m:t>
+                      </m:r>
+                      <m:r>
+                        <a:rPr lang="en-GB">
+                          <a:effectLst/>
+                        </a:rPr>
+                        <m:t> </m:t>
+                      </m:r>
+                      <m:r>
+                        <m:rPr>
+                          <m:sty m:val="p"/>
+                        </m:rPr>
+                        <a:rPr lang="en-GB">
+                          <a:effectLst/>
+                        </a:rPr>
+                        <m:t>day</m:t>
+                      </m:r>
+                      <m:r>
+                        <a:rPr lang="en-GB">
+                          <a:effectLst/>
+                        </a:rPr>
+                        <m:t> </m:t>
+                      </m:r>
+                      <m:r>
+                        <a:rPr lang="en-GB" i="1">
+                          <a:effectLst/>
+                        </a:rPr>
+                        <m:t>∗</m:t>
+                      </m:r>
+                      <m:r>
+                        <a:rPr lang="en-GB">
+                          <a:effectLst/>
+                        </a:rPr>
+                        <m:t> 365 </m:t>
+                      </m:r>
+                      <m:r>
+                        <m:rPr>
+                          <m:sty m:val="p"/>
+                        </m:rPr>
+                        <a:rPr lang="en-GB">
+                          <a:effectLst/>
+                        </a:rPr>
+                        <m:t>days</m:t>
+                      </m:r>
+                      <m:r>
+                        <a:rPr lang="en-GB">
+                          <a:effectLst/>
+                        </a:rPr>
+                        <m:t> </m:t>
+                      </m:r>
+                      <m:r>
+                        <m:rPr>
+                          <m:sty m:val="p"/>
+                        </m:rPr>
+                        <a:rPr lang="en-GB">
+                          <a:effectLst/>
+                        </a:rPr>
+                        <m:t>a</m:t>
+                      </m:r>
+                      <m:r>
+                        <a:rPr lang="en-GB">
+                          <a:effectLst/>
+                        </a:rPr>
+                        <m:t> </m:t>
+                      </m:r>
+                      <m:r>
+                        <m:rPr>
+                          <m:sty m:val="p"/>
+                        </m:rPr>
+                        <a:rPr lang="en-GB">
+                          <a:effectLst/>
+                        </a:rPr>
+                        <m:t>year</m:t>
+                      </m:r>
+                      <m:r>
+                        <a:rPr lang="en-GB">
+                          <a:effectLst/>
+                        </a:rPr>
+                        <m:t> = </m:t>
+                      </m:r>
+                      <m:r>
+                        <m:rPr>
+                          <m:sty m:val="p"/>
+                        </m:rPr>
+                        <a:rPr lang="en-GB">
+                          <a:effectLst/>
+                        </a:rPr>
+                        <m:t>total</m:t>
+                      </m:r>
+                      <m:r>
+                        <a:rPr lang="en-GB">
+                          <a:effectLst/>
+                        </a:rPr>
+                        <m:t> </m:t>
+                      </m:r>
+                      <m:r>
+                        <m:rPr>
+                          <m:sty m:val="p"/>
+                        </m:rPr>
+                        <a:rPr lang="en-GB">
+                          <a:effectLst/>
+                        </a:rPr>
+                        <m:t>amount</m:t>
+                      </m:r>
+                      <m:r>
+                        <a:rPr lang="en-GB">
+                          <a:effectLst/>
+                        </a:rPr>
+                        <m:t> </m:t>
+                      </m:r>
+                      <m:r>
+                        <m:rPr>
+                          <m:sty m:val="p"/>
+                        </m:rPr>
+                        <a:rPr lang="en-GB">
+                          <a:effectLst/>
+                        </a:rPr>
+                        <m:t>of</m:t>
+                      </m:r>
+                      <m:r>
+                        <a:rPr lang="en-GB">
+                          <a:effectLst/>
+                        </a:rPr>
+                        <m:t> </m:t>
+                      </m:r>
+                      <m:r>
+                        <m:rPr>
+                          <m:sty m:val="p"/>
+                        </m:rPr>
+                        <a:rPr lang="en-GB">
+                          <a:effectLst/>
+                        </a:rPr>
+                        <m:t>grass</m:t>
+                      </m:r>
+                      <m:r>
+                        <a:rPr lang="en-GB">
+                          <a:effectLst/>
+                        </a:rPr>
+                        <m:t> </m:t>
+                      </m:r>
+                      <m:r>
+                        <m:rPr>
+                          <m:sty m:val="p"/>
+                        </m:rPr>
+                        <a:rPr lang="en-GB">
+                          <a:effectLst/>
+                        </a:rPr>
+                        <m:t>eaten</m:t>
+                      </m:r>
+                      <m:r>
+                        <a:rPr lang="en-GB">
+                          <a:effectLst/>
+                        </a:rPr>
+                        <m:t> </m:t>
+                      </m:r>
+                      <m:r>
+                        <m:rPr>
+                          <m:sty m:val="p"/>
+                        </m:rPr>
+                        <a:rPr lang="en-GB">
+                          <a:effectLst/>
+                        </a:rPr>
+                        <m:t>by</m:t>
+                      </m:r>
+                      <m:r>
+                        <a:rPr lang="en-GB">
+                          <a:effectLst/>
+                        </a:rPr>
+                        <m:t> </m:t>
+                      </m:r>
+                      <m:r>
+                        <m:rPr>
+                          <m:sty m:val="p"/>
+                        </m:rPr>
+                        <a:rPr lang="en-GB">
+                          <a:effectLst/>
+                        </a:rPr>
+                        <m:t>each</m:t>
+                      </m:r>
+                      <m:r>
+                        <a:rPr lang="en-GB">
+                          <a:effectLst/>
+                        </a:rPr>
+                        <m:t> </m:t>
+                      </m:r>
+                      <m:r>
+                        <m:rPr>
+                          <m:sty m:val="p"/>
+                        </m:rPr>
+                        <a:rPr lang="en-GB">
+                          <a:effectLst/>
+                        </a:rPr>
+                        <m:t>herbivore</m:t>
+                      </m:r>
+                    </m:oMath>
+                  </m:oMathPara>
+                </a14:m>
+                <a:endParaRPr lang="nl-NL" dirty="0">
+                  <a:effectLst/>
+                </a:endParaRPr>
+              </a:p>
+            </p:txBody>
+          </p:sp>
+        </mc:Choice>
+        <mc:Fallback>
+          <p:sp>
+            <p:nvSpPr>
+              <p:cNvPr id="4" name="Content Placeholder 3"/>
+              <p:cNvSpPr>
+                <a:spLocks noGrp="1" noRot="1" noChangeAspect="1" noMove="1" noResize="1" noEditPoints="1" noAdjustHandles="1" noChangeArrowheads="1" noChangeShapeType="1" noTextEdit="1"/>
+              </p:cNvSpPr>
+              <p:nvPr>
+                <p:ph idx="1"/>
+              </p:nvPr>
+            </p:nvSpPr>
+            <p:spPr>
+              <a:xfrm>
+                <a:off x="1522412" y="1828800"/>
+                <a:ext cx="10260632" cy="4191000"/>
+              </a:xfrm>
+              <a:blipFill rotWithShape="1">
+                <a:blip r:embed="rId2"/>
+                <a:stretch>
+                  <a:fillRect l="-951" t="-2035"/>
+                </a:stretch>
+              </a:blipFill>
+            </p:spPr>
+            <p:txBody>
+              <a:bodyPr/>
+              <a:lstStyle/>
+              <a:p>
+                <a:r>
+                  <a:rPr lang="nl-NL">
+                    <a:noFill/>
+                  </a:rPr>
+                  <a:t> </a:t>
+                </a:r>
+              </a:p>
+            </p:txBody>
+          </p:sp>
+        </mc:Fallback>
+      </mc:AlternateContent>
     </p:spTree>
     <p:extLst>
       <p:ext uri="{BB962C8B-B14F-4D97-AF65-F5344CB8AC3E}">
-        <p14:creationId xmlns:p14="http://schemas.microsoft.com/office/powerpoint/2010/main" val="939161795"/>
+        <p14:creationId xmlns:p14="http://schemas.microsoft.com/office/powerpoint/2010/main" val="641716963"/>
       </p:ext>
     </p:extLst>
   </p:cSld>
@@ -30253,11 +30998,485 @@
           <a:p>
             <a:r>
               <a:rPr lang="en-CA" dirty="0" smtClean="0"/>
-              <a:t>4. Connection </a:t>
+              <a:t>3. Software Development</a:t>
+            </a:r>
+            <a:endParaRPr lang="en-CA" dirty="0"/>
+          </a:p>
+        </p:txBody>
+      </p:sp>
+      <p:sp>
+        <p:nvSpPr>
+          <p:cNvPr id="3" name="Content Placeholder 2"/>
+          <p:cNvSpPr>
+            <a:spLocks noGrp="1"/>
+          </p:cNvSpPr>
+          <p:nvPr>
+            <p:ph idx="1"/>
+          </p:nvPr>
+        </p:nvSpPr>
+        <p:spPr>
+          <a:xfrm>
+            <a:off x="405780" y="1772816"/>
+            <a:ext cx="11233248" cy="4408512"/>
+          </a:xfrm>
+        </p:spPr>
+        <p:txBody>
+          <a:bodyPr>
+            <a:normAutofit fontScale="92500" lnSpcReduction="20000"/>
+          </a:bodyPr>
+          <a:lstStyle/>
+          <a:p>
+            <a:pPr marL="0" indent="0">
+              <a:lnSpc>
+                <a:spcPct val="120000"/>
+              </a:lnSpc>
+              <a:buNone/>
+            </a:pPr>
+            <a:r>
+              <a:rPr lang="en-CA" dirty="0">
+                <a:effectLst/>
+              </a:rPr>
+              <a:t>The </a:t>
             </a:r>
             <a:r>
+              <a:rPr lang="en-CA" b="1" dirty="0">
+                <a:effectLst/>
+              </a:rPr>
+              <a:t>software development</a:t>
+            </a:r>
+            <a:r>
+              <a:rPr lang="en-CA" dirty="0">
+                <a:effectLst/>
+              </a:rPr>
+              <a:t> </a:t>
+            </a:r>
+            <a:r>
+              <a:rPr lang="en-CA" dirty="0" smtClean="0">
+                <a:effectLst/>
+              </a:rPr>
+              <a:t>began </a:t>
+            </a:r>
+            <a:r>
+              <a:rPr lang="en-CA" dirty="0">
+                <a:effectLst/>
+              </a:rPr>
+              <a:t>with </a:t>
+            </a:r>
+            <a:r>
+              <a:rPr lang="en-CA" dirty="0" smtClean="0">
+                <a:effectLst/>
+              </a:rPr>
+              <a:t>the creation of </a:t>
+            </a:r>
+            <a:r>
+              <a:rPr lang="en-CA" i="1" dirty="0">
+                <a:effectLst/>
+              </a:rPr>
+              <a:t>UML diagrams </a:t>
+            </a:r>
+            <a:r>
+              <a:rPr lang="en-CA" i="1" dirty="0" smtClean="0">
+                <a:effectLst/>
+              </a:rPr>
+              <a:t>and </a:t>
+            </a:r>
+            <a:r>
+              <a:rPr lang="en-CA" i="1" dirty="0">
+                <a:effectLst/>
+              </a:rPr>
+              <a:t>models</a:t>
+            </a:r>
+            <a:r>
+              <a:rPr lang="en-CA" dirty="0">
+                <a:effectLst/>
+              </a:rPr>
+              <a:t>. </a:t>
+            </a:r>
+            <a:endParaRPr lang="en-CA" dirty="0" smtClean="0">
+              <a:effectLst/>
+            </a:endParaRPr>
+          </a:p>
+          <a:p>
+            <a:pPr marL="0" indent="0">
+              <a:lnSpc>
+                <a:spcPct val="120000"/>
+              </a:lnSpc>
+              <a:buNone/>
+            </a:pPr>
+            <a:r>
+              <a:rPr lang="en-CA" dirty="0">
+                <a:effectLst/>
+              </a:rPr>
+              <a:t>During the development of the UML models and diagrams, important aspects based on user goals </a:t>
+            </a:r>
+            <a:r>
+              <a:rPr lang="en-CA" dirty="0" smtClean="0">
+                <a:effectLst/>
+              </a:rPr>
+              <a:t>shaped </a:t>
+            </a:r>
+            <a:r>
+              <a:rPr lang="en-CA" dirty="0">
+                <a:effectLst/>
+              </a:rPr>
+              <a:t>the final </a:t>
+            </a:r>
+            <a:r>
+              <a:rPr lang="en-CA" i="1" dirty="0" smtClean="0">
+                <a:effectLst/>
+              </a:rPr>
+              <a:t>features </a:t>
+            </a:r>
+            <a:r>
+              <a:rPr lang="en-CA" dirty="0" smtClean="0">
+                <a:effectLst/>
+              </a:rPr>
+              <a:t>of </a:t>
+            </a:r>
+            <a:r>
+              <a:rPr lang="en-CA" dirty="0">
+                <a:effectLst/>
+              </a:rPr>
+              <a:t>the applications.  As well the behavioral</a:t>
+            </a:r>
+            <a:r>
+              <a:rPr lang="en-CA" b="1" dirty="0">
+                <a:effectLst/>
+              </a:rPr>
+              <a:t> </a:t>
+            </a:r>
+            <a:r>
+              <a:rPr lang="en-CA" dirty="0">
+                <a:effectLst/>
+              </a:rPr>
+              <a:t>set of </a:t>
+            </a:r>
+            <a:r>
+              <a:rPr lang="en-CA" dirty="0" smtClean="0">
+                <a:effectLst/>
+              </a:rPr>
+              <a:t>actions, </a:t>
+            </a:r>
+            <a:r>
+              <a:rPr lang="en-CA" dirty="0">
+                <a:effectLst/>
+              </a:rPr>
+              <a:t>that the system can perform in collaboration with the external users of the system, was deduced. Then UML models and diagrams related to the backend of the development followed. The </a:t>
+            </a:r>
+            <a:r>
+              <a:rPr lang="en-CA" dirty="0" smtClean="0">
+                <a:effectLst/>
+              </a:rPr>
+              <a:t>conceptual </a:t>
+            </a:r>
+            <a:r>
+              <a:rPr lang="en-CA" dirty="0">
+                <a:effectLst/>
+              </a:rPr>
+              <a:t>classes and the relationships between them, provided an initial view of how the interaction  between predicted population changes and update of the UI.   The structural diagrams helped with the visualization of the connection between the </a:t>
+            </a:r>
+            <a:r>
+              <a:rPr lang="en-CA" dirty="0" smtClean="0">
+                <a:effectLst/>
+              </a:rPr>
+              <a:t>applications. </a:t>
+            </a:r>
+            <a:r>
+              <a:rPr lang="en-CA" dirty="0">
+                <a:effectLst/>
+              </a:rPr>
+              <a:t>Here the process goes from data user inputs and a description of the steps of the process of handling that information to get an output, was described. By the usage of the software design pattern, descriptions and structural behaviour of the system were shown, the system's classes, their attributes, methods, and the relationships among objects</a:t>
+            </a:r>
+            <a:r>
+              <a:rPr lang="en-CA" dirty="0" smtClean="0">
+                <a:effectLst/>
+              </a:rPr>
+              <a:t>.</a:t>
+            </a:r>
+            <a:endParaRPr lang="nl-NL" dirty="0">
+              <a:effectLst/>
+            </a:endParaRPr>
+          </a:p>
+        </p:txBody>
+      </p:sp>
+    </p:spTree>
+    <p:extLst>
+      <p:ext uri="{BB962C8B-B14F-4D97-AF65-F5344CB8AC3E}">
+        <p14:creationId xmlns:p14="http://schemas.microsoft.com/office/powerpoint/2010/main" val="939161795"/>
+      </p:ext>
+    </p:extLst>
+  </p:cSld>
+  <p:clrMapOvr>
+    <a:masterClrMapping/>
+  </p:clrMapOvr>
+  <mc:AlternateContent xmlns:mc="http://schemas.openxmlformats.org/markup-compatibility/2006" xmlns:p14="http://schemas.microsoft.com/office/powerpoint/2010/main">
+    <mc:Choice Requires="p14">
+      <p:transition spd="med" p14:dur="700">
+        <p:fade/>
+      </p:transition>
+    </mc:Choice>
+    <mc:Fallback xmlns="">
+      <p:transition spd="med">
+        <p:fade/>
+      </p:transition>
+    </mc:Fallback>
+  </mc:AlternateContent>
+  <p:timing>
+    <p:tnLst>
+      <p:par>
+        <p:cTn id="1" dur="indefinite" restart="never" nodeType="tmRoot"/>
+      </p:par>
+    </p:tnLst>
+  </p:timing>
+</p:sld>
+</file>
+
+<file path=ppt/slides/slide13.xml><?xml version="1.0" encoding="utf-8"?>
+<p:sld xmlns:a="http://schemas.openxmlformats.org/drawingml/2006/main" xmlns:r="http://schemas.openxmlformats.org/officeDocument/2006/relationships" xmlns:p="http://schemas.openxmlformats.org/presentationml/2006/main">
+  <p:cSld>
+    <p:spTree>
+      <p:nvGrpSpPr>
+        <p:cNvPr id="1" name=""/>
+        <p:cNvGrpSpPr/>
+        <p:nvPr/>
+      </p:nvGrpSpPr>
+      <p:grpSpPr>
+        <a:xfrm>
+          <a:off x="0" y="0"/>
+          <a:ext cx="0" cy="0"/>
+          <a:chOff x="0" y="0"/>
+          <a:chExt cx="0" cy="0"/>
+        </a:xfrm>
+      </p:grpSpPr>
+      <p:sp>
+        <p:nvSpPr>
+          <p:cNvPr id="2" name="Title 1"/>
+          <p:cNvSpPr>
+            <a:spLocks noGrp="1"/>
+          </p:cNvSpPr>
+          <p:nvPr>
+            <p:ph type="title"/>
+          </p:nvPr>
+        </p:nvSpPr>
+        <p:spPr/>
+        <p:txBody>
+          <a:bodyPr/>
+          <a:lstStyle/>
+          <a:p>
+            <a:r>
               <a:rPr lang="en-CA" dirty="0" smtClean="0"/>
-              <a:t>between Applications</a:t>
+              <a:t>3. Software Development</a:t>
+            </a:r>
+            <a:endParaRPr lang="en-CA" dirty="0"/>
+          </a:p>
+        </p:txBody>
+      </p:sp>
+      <p:sp>
+        <p:nvSpPr>
+          <p:cNvPr id="3" name="Content Placeholder 2"/>
+          <p:cNvSpPr>
+            <a:spLocks noGrp="1"/>
+          </p:cNvSpPr>
+          <p:nvPr>
+            <p:ph idx="1"/>
+          </p:nvPr>
+        </p:nvSpPr>
+        <p:spPr>
+          <a:xfrm>
+            <a:off x="405780" y="1772816"/>
+            <a:ext cx="11233248" cy="4408512"/>
+          </a:xfrm>
+        </p:spPr>
+        <p:txBody>
+          <a:bodyPr>
+            <a:normAutofit/>
+          </a:bodyPr>
+          <a:lstStyle/>
+          <a:p>
+            <a:pPr marL="0" indent="0">
+              <a:lnSpc>
+                <a:spcPct val="120000"/>
+              </a:lnSpc>
+              <a:buNone/>
+            </a:pPr>
+            <a:r>
+              <a:rPr lang="en-CA" dirty="0">
+                <a:effectLst/>
+              </a:rPr>
+              <a:t>The </a:t>
+            </a:r>
+            <a:r>
+              <a:rPr lang="en-CA" b="1" dirty="0">
+                <a:effectLst/>
+              </a:rPr>
+              <a:t>software development</a:t>
+            </a:r>
+            <a:r>
+              <a:rPr lang="en-CA" dirty="0">
+                <a:effectLst/>
+              </a:rPr>
+              <a:t> was divided into two parts the </a:t>
+            </a:r>
+            <a:r>
+              <a:rPr lang="en-CA" i="1" dirty="0">
+                <a:effectLst/>
+              </a:rPr>
+              <a:t>backend work</a:t>
+            </a:r>
+            <a:r>
+              <a:rPr lang="en-CA" dirty="0">
+                <a:effectLst/>
+              </a:rPr>
+              <a:t> and the </a:t>
+            </a:r>
+            <a:r>
+              <a:rPr lang="en-CA" i="1" dirty="0">
+                <a:effectLst/>
+              </a:rPr>
+              <a:t>frontend work</a:t>
+            </a:r>
+            <a:r>
+              <a:rPr lang="en-CA" dirty="0">
+                <a:effectLst/>
+              </a:rPr>
+              <a:t>. </a:t>
+            </a:r>
+            <a:endParaRPr lang="en-CA" dirty="0" smtClean="0">
+              <a:effectLst/>
+            </a:endParaRPr>
+          </a:p>
+          <a:p>
+            <a:r>
+              <a:rPr lang="en-CA" dirty="0" smtClean="0">
+                <a:effectLst/>
+              </a:rPr>
+              <a:t>The </a:t>
+            </a:r>
+            <a:r>
+              <a:rPr lang="en-CA" i="1" dirty="0">
+                <a:effectLst/>
+              </a:rPr>
+              <a:t>front-end development</a:t>
+            </a:r>
+            <a:r>
+              <a:rPr lang="en-CA" dirty="0">
+                <a:effectLst/>
+              </a:rPr>
+              <a:t>, which is the creation of the Graphical User Interface (GUI) was by utilizing Scene Builder. It consists of Menu Bar, Text Fields, Buttons, Radio Buttons and Graph, which visually represent the data</a:t>
+            </a:r>
+            <a:r>
+              <a:rPr lang="en-CA" dirty="0" smtClean="0">
+                <a:effectLst/>
+              </a:rPr>
+              <a:t>.</a:t>
+            </a:r>
+            <a:endParaRPr lang="nl-NL" dirty="0">
+              <a:effectLst/>
+            </a:endParaRPr>
+          </a:p>
+          <a:p>
+            <a:r>
+              <a:rPr lang="en-CA" dirty="0">
+                <a:effectLst/>
+              </a:rPr>
+              <a:t>In the </a:t>
+            </a:r>
+            <a:r>
+              <a:rPr lang="en-CA" i="1" dirty="0">
+                <a:effectLst/>
+              </a:rPr>
+              <a:t>backend work</a:t>
+            </a:r>
+            <a:r>
+              <a:rPr lang="en-CA" dirty="0">
+                <a:effectLst/>
+              </a:rPr>
+              <a:t>, the development of the software side, makes the prediction possible. The key aspects of the backend is to make the GUI work. One of the functionality is to take all the text fields inputs, from the GUI, process them inside the mathematical model and then to display the prediction in the GUI. </a:t>
+            </a:r>
+            <a:endParaRPr lang="nl-NL" dirty="0">
+              <a:effectLst/>
+            </a:endParaRPr>
+          </a:p>
+          <a:p>
+            <a:pPr marL="0" indent="0">
+              <a:lnSpc>
+                <a:spcPct val="120000"/>
+              </a:lnSpc>
+              <a:buNone/>
+            </a:pPr>
+            <a:endParaRPr lang="nl-NL" dirty="0">
+              <a:effectLst/>
+            </a:endParaRPr>
+          </a:p>
+        </p:txBody>
+      </p:sp>
+    </p:spTree>
+    <p:extLst>
+      <p:ext uri="{BB962C8B-B14F-4D97-AF65-F5344CB8AC3E}">
+        <p14:creationId xmlns:p14="http://schemas.microsoft.com/office/powerpoint/2010/main" val="211564768"/>
+      </p:ext>
+    </p:extLst>
+  </p:cSld>
+  <p:clrMapOvr>
+    <a:masterClrMapping/>
+  </p:clrMapOvr>
+  <mc:AlternateContent xmlns:mc="http://schemas.openxmlformats.org/markup-compatibility/2006" xmlns:p14="http://schemas.microsoft.com/office/powerpoint/2010/main">
+    <mc:Choice Requires="p14">
+      <p:transition spd="med" p14:dur="700">
+        <p:fade/>
+      </p:transition>
+    </mc:Choice>
+    <mc:Fallback xmlns="">
+      <p:transition spd="med">
+        <p:fade/>
+      </p:transition>
+    </mc:Fallback>
+  </mc:AlternateContent>
+  <p:timing>
+    <p:tnLst>
+      <p:par>
+        <p:cTn id="1" dur="indefinite" restart="never" nodeType="tmRoot"/>
+      </p:par>
+    </p:tnLst>
+  </p:timing>
+</p:sld>
+</file>
+
+<file path=ppt/slides/slide14.xml><?xml version="1.0" encoding="utf-8"?>
+<p:sld xmlns:a="http://schemas.openxmlformats.org/drawingml/2006/main" xmlns:r="http://schemas.openxmlformats.org/officeDocument/2006/relationships" xmlns:p="http://schemas.openxmlformats.org/presentationml/2006/main">
+  <p:cSld>
+    <p:spTree>
+      <p:nvGrpSpPr>
+        <p:cNvPr id="1" name=""/>
+        <p:cNvGrpSpPr/>
+        <p:nvPr/>
+      </p:nvGrpSpPr>
+      <p:grpSpPr>
+        <a:xfrm>
+          <a:off x="0" y="0"/>
+          <a:ext cx="0" cy="0"/>
+          <a:chOff x="0" y="0"/>
+          <a:chExt cx="0" cy="0"/>
+        </a:xfrm>
+      </p:grpSpPr>
+      <p:sp>
+        <p:nvSpPr>
+          <p:cNvPr id="2" name="Title 1"/>
+          <p:cNvSpPr>
+            <a:spLocks noGrp="1"/>
+          </p:cNvSpPr>
+          <p:nvPr>
+            <p:ph type="title"/>
+          </p:nvPr>
+        </p:nvSpPr>
+        <p:spPr/>
+        <p:txBody>
+          <a:bodyPr/>
+          <a:lstStyle/>
+          <a:p>
+            <a:r>
+              <a:rPr lang="en-CA" dirty="0" smtClean="0"/>
+              <a:t>4. Connection between Applications</a:t>
             </a:r>
             <a:endParaRPr lang="en-CA" dirty="0"/>
           </a:p>
@@ -30278,7 +31497,46 @@
           <a:bodyPr/>
           <a:lstStyle/>
           <a:p>
-            <a:endParaRPr lang="en-CA"/>
+            <a:pPr marL="0" indent="0">
+              <a:buNone/>
+            </a:pPr>
+            <a:r>
+              <a:rPr lang="nl-NL" dirty="0">
+                <a:effectLst/>
+              </a:rPr>
+              <a:t> </a:t>
+            </a:r>
+            <a:r>
+              <a:rPr lang="en-CA" dirty="0">
+                <a:effectLst/>
+              </a:rPr>
+              <a:t>The </a:t>
+            </a:r>
+            <a:r>
+              <a:rPr lang="en-CA" b="1" dirty="0">
+                <a:effectLst/>
+              </a:rPr>
+              <a:t>connection</a:t>
+            </a:r>
+            <a:r>
+              <a:rPr lang="en-CA" dirty="0">
+                <a:effectLst/>
+              </a:rPr>
+              <a:t> between the two applications is done the use of sockets, which send JavaScript Object Notation (JSON) </a:t>
+            </a:r>
+            <a:r>
+              <a:rPr lang="en-CA" baseline="30000" dirty="0">
+                <a:effectLst/>
+              </a:rPr>
+              <a:t> </a:t>
+            </a:r>
+            <a:r>
+              <a:rPr lang="en-CA" dirty="0">
+                <a:effectLst/>
+              </a:rPr>
+              <a:t>objects containing values used in calculating a prediction. The object will be sent, the application will wait until it receives a response from the other application, then the following year’s prediction will commence. The process of communication will be similar for both applications.</a:t>
+            </a:r>
+            <a:endParaRPr lang="en-CA" dirty="0"/>
           </a:p>
         </p:txBody>
       </p:sp>
@@ -30314,7 +31572,7 @@
 </p:sld>
 </file>
 
-<file path=ppt/slides/slide13.xml><?xml version="1.0" encoding="utf-8"?>
+<file path=ppt/slides/slide15.xml><?xml version="1.0" encoding="utf-8"?>
 <p:sld xmlns:a="http://schemas.openxmlformats.org/drawingml/2006/main" xmlns:r="http://schemas.openxmlformats.org/officeDocument/2006/relationships" xmlns:p="http://schemas.openxmlformats.org/presentationml/2006/main">
   <p:cSld>
     <p:spTree>
@@ -30380,7 +31638,91 @@
             </a:pPr>
             <a:r>
               <a:rPr lang="en-CA" dirty="0"/>
-              <a:t>During the project development, several limitations may occur, that could harm the result of the application. Some of those Limitations for this research are the time frame which project needs to be finished. The information availability constraints which might be lacking data or not accurate at all. Another challenge is the interdependence on the other group that is investigating relating variable. This research has limited scope to </a:t>
+              <a:t>During the project development, several limitations </a:t>
+            </a:r>
+            <a:r>
+              <a:rPr lang="en-CA" dirty="0" smtClean="0"/>
+              <a:t>occurred, </a:t>
+            </a:r>
+            <a:r>
+              <a:rPr lang="en-CA" dirty="0"/>
+              <a:t>that </a:t>
+            </a:r>
+            <a:r>
+              <a:rPr lang="en-CA" dirty="0" smtClean="0"/>
+              <a:t>harmed </a:t>
+            </a:r>
+            <a:r>
+              <a:rPr lang="en-CA" dirty="0"/>
+              <a:t>the result of the application. Some of those Limitations for this research are </a:t>
+            </a:r>
+            <a:r>
+              <a:rPr lang="en-CA" dirty="0" smtClean="0"/>
+              <a:t>related to the </a:t>
+            </a:r>
+            <a:r>
+              <a:rPr lang="en-CA" b="1" u="sng" dirty="0"/>
+              <a:t>time frame </a:t>
+            </a:r>
+            <a:r>
+              <a:rPr lang="en-CA" dirty="0" smtClean="0"/>
+              <a:t>for the completion of the project. </a:t>
+            </a:r>
+            <a:r>
+              <a:rPr lang="en-CA" dirty="0"/>
+              <a:t>The </a:t>
+            </a:r>
+            <a:r>
+              <a:rPr lang="en-CA" b="1" u="sng" dirty="0"/>
+              <a:t>information availability </a:t>
+            </a:r>
+            <a:r>
+              <a:rPr lang="en-CA" dirty="0" smtClean="0"/>
+              <a:t>constraints, such as lacking </a:t>
+            </a:r>
+            <a:r>
+              <a:rPr lang="en-CA" dirty="0"/>
+              <a:t>data or </a:t>
+            </a:r>
+            <a:r>
+              <a:rPr lang="en-CA" dirty="0" smtClean="0"/>
+              <a:t>data not </a:t>
+            </a:r>
+            <a:r>
+              <a:rPr lang="en-CA" dirty="0"/>
+              <a:t>accurate at </a:t>
+            </a:r>
+            <a:r>
+              <a:rPr lang="en-CA" dirty="0" smtClean="0"/>
+              <a:t>all, allowed for assumptions in the construction of the mathematical model. </a:t>
+            </a:r>
+            <a:r>
+              <a:rPr lang="en-CA" dirty="0"/>
+              <a:t>Another challenge is the </a:t>
+            </a:r>
+            <a:r>
+              <a:rPr lang="en-CA" b="1" u="sng" dirty="0"/>
+              <a:t>interdependence on the other </a:t>
+            </a:r>
+            <a:r>
+              <a:rPr lang="en-CA" b="1" u="sng" dirty="0" smtClean="0"/>
+              <a:t>group</a:t>
+            </a:r>
+            <a:r>
+              <a:rPr lang="en-CA" dirty="0" smtClean="0"/>
+              <a:t>, the variable data that was supposed to be exchanged in order for an accurate prediction. </a:t>
+            </a:r>
+            <a:r>
+              <a:rPr lang="en-CA" dirty="0"/>
+              <a:t>This research has </a:t>
+            </a:r>
+            <a:r>
+              <a:rPr lang="en-CA" b="1" u="sng" dirty="0"/>
+              <a:t>limited scope </a:t>
+            </a:r>
+            <a:r>
+              <a:rPr lang="en-CA" dirty="0"/>
+              <a:t>to </a:t>
             </a:r>
             <a:r>
               <a:rPr lang="en-CA" dirty="0" err="1"/>
@@ -30425,7 +31767,7 @@
 </p:sld>
 </file>
 
-<file path=ppt/slides/slide14.xml><?xml version="1.0" encoding="utf-8"?>
+<file path=ppt/slides/slide16.xml><?xml version="1.0" encoding="utf-8"?>
 <p:sld xmlns:a="http://schemas.openxmlformats.org/drawingml/2006/main" xmlns:r="http://schemas.openxmlformats.org/officeDocument/2006/relationships" xmlns:p="http://schemas.openxmlformats.org/presentationml/2006/main">
   <p:cSld>
     <p:spTree>
@@ -30522,7 +31864,7 @@
 </p:sld>
 </file>
 
-<file path=ppt/slides/slide15.xml><?xml version="1.0" encoding="utf-8"?>
+<file path=ppt/slides/slide17.xml><?xml version="1.0" encoding="utf-8"?>
 <p:sld xmlns:a="http://schemas.openxmlformats.org/drawingml/2006/main" xmlns:r="http://schemas.openxmlformats.org/officeDocument/2006/relationships" xmlns:p="http://schemas.openxmlformats.org/presentationml/2006/main">
   <p:cSld>
     <p:spTree>
@@ -32086,10 +33428,83 @@
         </p:nvSpPr>
         <p:spPr/>
         <p:txBody>
-          <a:bodyPr/>
+          <a:bodyPr>
+            <a:normAutofit/>
+          </a:bodyPr>
           <a:lstStyle/>
           <a:p>
-            <a:endParaRPr lang="en-CA" dirty="0"/>
+            <a:pPr marL="0" indent="0">
+              <a:buNone/>
+            </a:pPr>
+            <a:r>
+              <a:rPr lang="en-CA" sz="2800" dirty="0">
+                <a:effectLst/>
+              </a:rPr>
+              <a:t>This phase includes information regarding: </a:t>
+            </a:r>
+            <a:r>
+              <a:rPr lang="en-CA" sz="2800" i="1" dirty="0">
+                <a:effectLst/>
+              </a:rPr>
+              <a:t>population statistics</a:t>
+            </a:r>
+            <a:r>
+              <a:rPr lang="en-CA" sz="2800" dirty="0">
+                <a:effectLst/>
+              </a:rPr>
+              <a:t> during different seasons,</a:t>
+            </a:r>
+            <a:r>
+              <a:rPr lang="en-CA" sz="2800" i="1" dirty="0">
+                <a:effectLst/>
+              </a:rPr>
+              <a:t> birth rate and death rate,</a:t>
+            </a:r>
+            <a:r>
+              <a:rPr lang="en-CA" sz="2800" dirty="0">
+                <a:effectLst/>
+              </a:rPr>
+              <a:t> the </a:t>
+            </a:r>
+            <a:r>
+              <a:rPr lang="en-CA" sz="2800" i="1" dirty="0">
+                <a:effectLst/>
+              </a:rPr>
+              <a:t>amount of grass eaten</a:t>
+            </a:r>
+            <a:r>
+              <a:rPr lang="en-CA" sz="2800" dirty="0">
+                <a:effectLst/>
+              </a:rPr>
+              <a:t>, and any </a:t>
+            </a:r>
+            <a:r>
+              <a:rPr lang="en-CA" sz="2800" i="1" dirty="0">
+                <a:effectLst/>
+              </a:rPr>
+              <a:t>other related data</a:t>
+            </a:r>
+            <a:r>
+              <a:rPr lang="en-CA" sz="2800" dirty="0">
+                <a:effectLst/>
+              </a:rPr>
+              <a:t>. </a:t>
+            </a:r>
+            <a:endParaRPr lang="nl-NL" sz="2800" dirty="0">
+              <a:effectLst/>
+            </a:endParaRPr>
+          </a:p>
+          <a:p>
+            <a:pPr marL="0" indent="0">
+              <a:buNone/>
+            </a:pPr>
+            <a:r>
+              <a:rPr lang="en-CA" sz="2800" dirty="0">
+                <a:effectLst/>
+              </a:rPr>
+              <a:t>By the use of provided resources, initial information was deduced. Due to lack of information, on some of the species, similar specie data was used. However, further calculations were involved to find variables that fitted to the answer of the ecological problem.</a:t>
+            </a:r>
+            <a:endParaRPr lang="en-CA" sz="2800" dirty="0"/>
           </a:p>
         </p:txBody>
       </p:sp>
